--- a/docs/SASS Intro.pptx
+++ b/docs/SASS Intro.pptx
@@ -5,24 +5,27 @@
     <p:sldMasterId id="2147483684" r:id="rId4"/>
   </p:sldMasterIdLst>
   <p:notesMasterIdLst>
-    <p:notesMasterId r:id="rId17"/>
+    <p:notesMasterId r:id="rId20"/>
   </p:notesMasterIdLst>
   <p:handoutMasterIdLst>
-    <p:handoutMasterId r:id="rId18"/>
+    <p:handoutMasterId r:id="rId21"/>
   </p:handoutMasterIdLst>
   <p:sldIdLst>
     <p:sldId id="926" r:id="rId5"/>
-    <p:sldId id="929" r:id="rId6"/>
-    <p:sldId id="930" r:id="rId7"/>
-    <p:sldId id="931" r:id="rId8"/>
-    <p:sldId id="932" r:id="rId9"/>
-    <p:sldId id="933" r:id="rId10"/>
-    <p:sldId id="934" r:id="rId11"/>
-    <p:sldId id="935" r:id="rId12"/>
-    <p:sldId id="936" r:id="rId13"/>
-    <p:sldId id="937" r:id="rId14"/>
-    <p:sldId id="938" r:id="rId15"/>
-    <p:sldId id="928" r:id="rId16"/>
+    <p:sldId id="941" r:id="rId6"/>
+    <p:sldId id="939" r:id="rId7"/>
+    <p:sldId id="940" r:id="rId8"/>
+    <p:sldId id="930" r:id="rId9"/>
+    <p:sldId id="942" r:id="rId10"/>
+    <p:sldId id="931" r:id="rId11"/>
+    <p:sldId id="932" r:id="rId12"/>
+    <p:sldId id="933" r:id="rId13"/>
+    <p:sldId id="934" r:id="rId14"/>
+    <p:sldId id="935" r:id="rId15"/>
+    <p:sldId id="936" r:id="rId16"/>
+    <p:sldId id="937" r:id="rId17"/>
+    <p:sldId id="938" r:id="rId18"/>
+    <p:sldId id="928" r:id="rId19"/>
   </p:sldIdLst>
   <p:sldSz cx="12192000" cy="6858000"/>
   <p:notesSz cx="6858000" cy="9144000"/>
@@ -127,16 +130,19 @@
         <p14:section name="Intro" id="{E8DF837B-E12F-1A4C-80C2-D64E30396E90}">
           <p14:sldIdLst>
             <p14:sldId id="926"/>
+            <p14:sldId id="941"/>
           </p14:sldIdLst>
         </p14:section>
         <p14:section name="What is Sass?" id="{E28EF5E7-5AAE-4F67-BAE0-24ED57939E99}">
           <p14:sldIdLst>
-            <p14:sldId id="929"/>
+            <p14:sldId id="939"/>
+            <p14:sldId id="940"/>
           </p14:sldIdLst>
         </p14:section>
         <p14:section name="Preprocessing" id="{D12284D2-2F31-49F2-94D3-3D1D062314C5}">
           <p14:sldIdLst>
             <p14:sldId id="930"/>
+            <p14:sldId id="942"/>
           </p14:sldIdLst>
         </p14:section>
         <p14:section name="Nesting" id="{E9CAA418-3B41-4F4B-93EC-853209E37EE1}">
@@ -390,7 +396,7 @@
               <a:rPr lang="en-US" smtClean="0">
                 <a:latin typeface="Corbel" panose="020B0503020204020204" pitchFamily="34" charset="0"/>
               </a:rPr>
-              <a:t>6/4/2019</a:t>
+              <a:t>6/5/2019</a:t>
             </a:fld>
             <a:endParaRPr lang="en-US" dirty="0">
               <a:latin typeface="Corbel" panose="020B0503020204020204" pitchFamily="34" charset="0"/>
@@ -496,7 +502,7 @@
             <a:fld id="{99A1A89B-1BF1-0B47-A39C-6E858E8A8CC3}" type="datetimeFigureOut">
               <a:rPr lang="sv-SE" smtClean="0"/>
               <a:pPr/>
-              <a:t>2019-06-04</a:t>
+              <a:t>2019-06-05</a:t>
             </a:fld>
             <a:endParaRPr lang="sv-SE" dirty="0"/>
           </a:p>
@@ -19829,6 +19835,62 @@
           <a:chExt cx="0" cy="0"/>
         </a:xfrm>
       </p:grpSpPr>
+      <p:sp>
+        <p:nvSpPr>
+          <p:cNvPr id="5" name="Text Placeholder 4">
+            <a:extLst>
+              <a:ext uri="{FF2B5EF4-FFF2-40B4-BE49-F238E27FC236}">
+                <a16:creationId xmlns:a16="http://schemas.microsoft.com/office/drawing/2014/main" id="{68EF772A-50B6-4CE1-A06C-7F43609D47AF}"/>
+              </a:ext>
+            </a:extLst>
+          </p:cNvPr>
+          <p:cNvSpPr>
+            <a:spLocks noGrp="1"/>
+          </p:cNvSpPr>
+          <p:nvPr>
+            <p:ph type="body" sz="quarter" idx="11"/>
+          </p:nvPr>
+        </p:nvSpPr>
+        <p:spPr/>
+        <p:txBody>
+          <a:bodyPr/>
+          <a:lstStyle/>
+          <a:p>
+            <a:r>
+              <a:rPr lang="en-GB" dirty="0"/>
+              <a:t>Sass</a:t>
+            </a:r>
+          </a:p>
+        </p:txBody>
+      </p:sp>
+      <p:sp>
+        <p:nvSpPr>
+          <p:cNvPr id="6" name="Text Placeholder 5">
+            <a:extLst>
+              <a:ext uri="{FF2B5EF4-FFF2-40B4-BE49-F238E27FC236}">
+                <a16:creationId xmlns:a16="http://schemas.microsoft.com/office/drawing/2014/main" id="{4FC4EB2B-6AEC-41EF-96A9-D0A094CEC313}"/>
+              </a:ext>
+            </a:extLst>
+          </p:cNvPr>
+          <p:cNvSpPr>
+            <a:spLocks noGrp="1"/>
+          </p:cNvSpPr>
+          <p:nvPr>
+            <p:ph type="body" sz="quarter" idx="12"/>
+          </p:nvPr>
+        </p:nvSpPr>
+        <p:spPr/>
+        <p:txBody>
+          <a:bodyPr/>
+          <a:lstStyle/>
+          <a:p>
+            <a:r>
+              <a:rPr lang="en-GB" dirty="0"/>
+              <a:t>Syntactically Awesome Style Sheets</a:t>
+            </a:r>
+          </a:p>
+        </p:txBody>
+      </p:sp>
     </p:spTree>
     <p:extLst>
       <p:ext uri="{BB962C8B-B14F-4D97-AF65-F5344CB8AC3E}">
@@ -19861,10 +19923,10 @@
       </p:grpSpPr>
       <p:sp>
         <p:nvSpPr>
-          <p:cNvPr id="6" name="Text Placeholder 5">
-            <a:extLst>
-              <a:ext uri="{FF2B5EF4-FFF2-40B4-BE49-F238E27FC236}">
-                <a16:creationId xmlns:a16="http://schemas.microsoft.com/office/drawing/2014/main" id="{03B2A513-0286-4E02-B96B-F80481953ECA}"/>
+          <p:cNvPr id="4" name="Text Placeholder 3">
+            <a:extLst>
+              <a:ext uri="{FF2B5EF4-FFF2-40B4-BE49-F238E27FC236}">
+                <a16:creationId xmlns:a16="http://schemas.microsoft.com/office/drawing/2014/main" id="{91E9247A-66F9-4926-A418-CFDD2F7B461A}"/>
               </a:ext>
             </a:extLst>
           </p:cNvPr>
@@ -19881,18 +19943,19 @@
           <a:lstStyle/>
           <a:p>
             <a:r>
-              <a:rPr lang="en-US" dirty="0"/>
-              <a:t>Extend/Inheritance</a:t>
-            </a:r>
-          </a:p>
-        </p:txBody>
-      </p:sp>
-      <p:sp>
-        <p:nvSpPr>
-          <p:cNvPr id="7" name="Text Placeholder 6">
-            <a:extLst>
-              <a:ext uri="{FF2B5EF4-FFF2-40B4-BE49-F238E27FC236}">
-                <a16:creationId xmlns:a16="http://schemas.microsoft.com/office/drawing/2014/main" id="{B710344F-0496-482F-BE61-E6224E004EBE}"/>
+              <a:rPr lang="en-US" dirty="0" err="1"/>
+              <a:t>Mixins</a:t>
+            </a:r>
+            <a:endParaRPr lang="en-US" dirty="0"/>
+          </a:p>
+        </p:txBody>
+      </p:sp>
+      <p:sp>
+        <p:nvSpPr>
+          <p:cNvPr id="5" name="Text Placeholder 4">
+            <a:extLst>
+              <a:ext uri="{FF2B5EF4-FFF2-40B4-BE49-F238E27FC236}">
+                <a16:creationId xmlns:a16="http://schemas.microsoft.com/office/drawing/2014/main" id="{B2851CF9-27CE-4E1B-BA7F-B9CD6E60E84E}"/>
               </a:ext>
             </a:extLst>
           </p:cNvPr>
@@ -19908,14 +19971,14 @@
           <a:bodyPr/>
           <a:lstStyle/>
           <a:p>
-            <a:endParaRPr lang="en-US" dirty="0"/>
+            <a:endParaRPr lang="en-US"/>
           </a:p>
         </p:txBody>
       </p:sp>
     </p:spTree>
     <p:extLst>
       <p:ext uri="{BB962C8B-B14F-4D97-AF65-F5344CB8AC3E}">
-        <p14:creationId xmlns:p14="http://schemas.microsoft.com/office/powerpoint/2010/main" val="3394439589"/>
+        <p14:creationId xmlns:p14="http://schemas.microsoft.com/office/powerpoint/2010/main" val="2009415653"/>
       </p:ext>
     </p:extLst>
   </p:cSld>
@@ -19947,6 +20010,255 @@
           <p:cNvPr id="4" name="Text Placeholder 3">
             <a:extLst>
               <a:ext uri="{FF2B5EF4-FFF2-40B4-BE49-F238E27FC236}">
+                <a16:creationId xmlns:a16="http://schemas.microsoft.com/office/drawing/2014/main" id="{81ACA07D-0759-4AFF-BDC0-5FB1F46B5041}"/>
+              </a:ext>
+            </a:extLst>
+          </p:cNvPr>
+          <p:cNvSpPr>
+            <a:spLocks noGrp="1"/>
+          </p:cNvSpPr>
+          <p:nvPr>
+            <p:ph type="body" sz="quarter" idx="11"/>
+          </p:nvPr>
+        </p:nvSpPr>
+        <p:spPr/>
+        <p:txBody>
+          <a:bodyPr/>
+          <a:lstStyle/>
+          <a:p>
+            <a:r>
+              <a:rPr lang="en-US" dirty="0"/>
+              <a:t>Partials</a:t>
+            </a:r>
+          </a:p>
+        </p:txBody>
+      </p:sp>
+      <p:sp>
+        <p:nvSpPr>
+          <p:cNvPr id="5" name="Text Placeholder 4">
+            <a:extLst>
+              <a:ext uri="{FF2B5EF4-FFF2-40B4-BE49-F238E27FC236}">
+                <a16:creationId xmlns:a16="http://schemas.microsoft.com/office/drawing/2014/main" id="{60C14038-B45C-4DE1-80D3-9115F152406B}"/>
+              </a:ext>
+            </a:extLst>
+          </p:cNvPr>
+          <p:cNvSpPr>
+            <a:spLocks noGrp="1"/>
+          </p:cNvSpPr>
+          <p:nvPr>
+            <p:ph type="body" sz="quarter" idx="12"/>
+          </p:nvPr>
+        </p:nvSpPr>
+        <p:spPr/>
+        <p:txBody>
+          <a:bodyPr/>
+          <a:lstStyle/>
+          <a:p>
+            <a:endParaRPr lang="en-US"/>
+          </a:p>
+        </p:txBody>
+      </p:sp>
+    </p:spTree>
+    <p:extLst>
+      <p:ext uri="{BB962C8B-B14F-4D97-AF65-F5344CB8AC3E}">
+        <p14:creationId xmlns:p14="http://schemas.microsoft.com/office/powerpoint/2010/main" val="3659295445"/>
+      </p:ext>
+    </p:extLst>
+  </p:cSld>
+  <p:clrMapOvr>
+    <a:masterClrMapping/>
+  </p:clrMapOvr>
+</p:sld>
+</file>
+
+<file path=ppt/slides/slide12.xml><?xml version="1.0" encoding="utf-8"?>
+<p:sld xmlns:a="http://schemas.openxmlformats.org/drawingml/2006/main" xmlns:r="http://schemas.openxmlformats.org/officeDocument/2006/relationships" xmlns:p="http://schemas.openxmlformats.org/presentationml/2006/main">
+  <p:cSld>
+    <p:spTree>
+      <p:nvGrpSpPr>
+        <p:cNvPr id="1" name=""/>
+        <p:cNvGrpSpPr/>
+        <p:nvPr/>
+      </p:nvGrpSpPr>
+      <p:grpSpPr>
+        <a:xfrm>
+          <a:off x="0" y="0"/>
+          <a:ext cx="0" cy="0"/>
+          <a:chOff x="0" y="0"/>
+          <a:chExt cx="0" cy="0"/>
+        </a:xfrm>
+      </p:grpSpPr>
+      <p:sp>
+        <p:nvSpPr>
+          <p:cNvPr id="4" name="Text Placeholder 3">
+            <a:extLst>
+              <a:ext uri="{FF2B5EF4-FFF2-40B4-BE49-F238E27FC236}">
+                <a16:creationId xmlns:a16="http://schemas.microsoft.com/office/drawing/2014/main" id="{394420A5-0E12-4C0F-834B-C637DA46212E}"/>
+              </a:ext>
+            </a:extLst>
+          </p:cNvPr>
+          <p:cNvSpPr>
+            <a:spLocks noGrp="1"/>
+          </p:cNvSpPr>
+          <p:nvPr>
+            <p:ph type="body" sz="quarter" idx="11"/>
+          </p:nvPr>
+        </p:nvSpPr>
+        <p:spPr/>
+        <p:txBody>
+          <a:bodyPr/>
+          <a:lstStyle/>
+          <a:p>
+            <a:r>
+              <a:rPr lang="en-US" dirty="0"/>
+              <a:t>Conditionals &amp; Loops</a:t>
+            </a:r>
+          </a:p>
+        </p:txBody>
+      </p:sp>
+      <p:sp>
+        <p:nvSpPr>
+          <p:cNvPr id="5" name="Text Placeholder 4">
+            <a:extLst>
+              <a:ext uri="{FF2B5EF4-FFF2-40B4-BE49-F238E27FC236}">
+                <a16:creationId xmlns:a16="http://schemas.microsoft.com/office/drawing/2014/main" id="{368AAC6F-F7F9-4296-A0F2-3D240B651E15}"/>
+              </a:ext>
+            </a:extLst>
+          </p:cNvPr>
+          <p:cNvSpPr>
+            <a:spLocks noGrp="1"/>
+          </p:cNvSpPr>
+          <p:nvPr>
+            <p:ph type="body" sz="quarter" idx="12"/>
+          </p:nvPr>
+        </p:nvSpPr>
+        <p:spPr/>
+        <p:txBody>
+          <a:bodyPr/>
+          <a:lstStyle/>
+          <a:p>
+            <a:endParaRPr lang="en-US"/>
+          </a:p>
+        </p:txBody>
+      </p:sp>
+    </p:spTree>
+    <p:extLst>
+      <p:ext uri="{BB962C8B-B14F-4D97-AF65-F5344CB8AC3E}">
+        <p14:creationId xmlns:p14="http://schemas.microsoft.com/office/powerpoint/2010/main" val="91583965"/>
+      </p:ext>
+    </p:extLst>
+  </p:cSld>
+  <p:clrMapOvr>
+    <a:masterClrMapping/>
+  </p:clrMapOvr>
+</p:sld>
+</file>
+
+<file path=ppt/slides/slide13.xml><?xml version="1.0" encoding="utf-8"?>
+<p:sld xmlns:a="http://schemas.openxmlformats.org/drawingml/2006/main" xmlns:r="http://schemas.openxmlformats.org/officeDocument/2006/relationships" xmlns:p="http://schemas.openxmlformats.org/presentationml/2006/main">
+  <p:cSld>
+    <p:spTree>
+      <p:nvGrpSpPr>
+        <p:cNvPr id="1" name=""/>
+        <p:cNvGrpSpPr/>
+        <p:nvPr/>
+      </p:nvGrpSpPr>
+      <p:grpSpPr>
+        <a:xfrm>
+          <a:off x="0" y="0"/>
+          <a:ext cx="0" cy="0"/>
+          <a:chOff x="0" y="0"/>
+          <a:chExt cx="0" cy="0"/>
+        </a:xfrm>
+      </p:grpSpPr>
+      <p:sp>
+        <p:nvSpPr>
+          <p:cNvPr id="6" name="Text Placeholder 5">
+            <a:extLst>
+              <a:ext uri="{FF2B5EF4-FFF2-40B4-BE49-F238E27FC236}">
+                <a16:creationId xmlns:a16="http://schemas.microsoft.com/office/drawing/2014/main" id="{03B2A513-0286-4E02-B96B-F80481953ECA}"/>
+              </a:ext>
+            </a:extLst>
+          </p:cNvPr>
+          <p:cNvSpPr>
+            <a:spLocks noGrp="1"/>
+          </p:cNvSpPr>
+          <p:nvPr>
+            <p:ph type="body" sz="quarter" idx="11"/>
+          </p:nvPr>
+        </p:nvSpPr>
+        <p:spPr/>
+        <p:txBody>
+          <a:bodyPr/>
+          <a:lstStyle/>
+          <a:p>
+            <a:r>
+              <a:rPr lang="en-US" dirty="0"/>
+              <a:t>Extend/Inheritance</a:t>
+            </a:r>
+          </a:p>
+        </p:txBody>
+      </p:sp>
+      <p:sp>
+        <p:nvSpPr>
+          <p:cNvPr id="7" name="Text Placeholder 6">
+            <a:extLst>
+              <a:ext uri="{FF2B5EF4-FFF2-40B4-BE49-F238E27FC236}">
+                <a16:creationId xmlns:a16="http://schemas.microsoft.com/office/drawing/2014/main" id="{B710344F-0496-482F-BE61-E6224E004EBE}"/>
+              </a:ext>
+            </a:extLst>
+          </p:cNvPr>
+          <p:cNvSpPr>
+            <a:spLocks noGrp="1"/>
+          </p:cNvSpPr>
+          <p:nvPr>
+            <p:ph type="body" sz="quarter" idx="12"/>
+          </p:nvPr>
+        </p:nvSpPr>
+        <p:spPr/>
+        <p:txBody>
+          <a:bodyPr/>
+          <a:lstStyle/>
+          <a:p>
+            <a:endParaRPr lang="en-US" dirty="0"/>
+          </a:p>
+        </p:txBody>
+      </p:sp>
+    </p:spTree>
+    <p:extLst>
+      <p:ext uri="{BB962C8B-B14F-4D97-AF65-F5344CB8AC3E}">
+        <p14:creationId xmlns:p14="http://schemas.microsoft.com/office/powerpoint/2010/main" val="3394439589"/>
+      </p:ext>
+    </p:extLst>
+  </p:cSld>
+  <p:clrMapOvr>
+    <a:masterClrMapping/>
+  </p:clrMapOvr>
+</p:sld>
+</file>
+
+<file path=ppt/slides/slide14.xml><?xml version="1.0" encoding="utf-8"?>
+<p:sld xmlns:a="http://schemas.openxmlformats.org/drawingml/2006/main" xmlns:r="http://schemas.openxmlformats.org/officeDocument/2006/relationships" xmlns:p="http://schemas.openxmlformats.org/presentationml/2006/main">
+  <p:cSld>
+    <p:spTree>
+      <p:nvGrpSpPr>
+        <p:cNvPr id="1" name=""/>
+        <p:cNvGrpSpPr/>
+        <p:nvPr/>
+      </p:nvGrpSpPr>
+      <p:grpSpPr>
+        <a:xfrm>
+          <a:off x="0" y="0"/>
+          <a:ext cx="0" cy="0"/>
+          <a:chOff x="0" y="0"/>
+          <a:chExt cx="0" cy="0"/>
+        </a:xfrm>
+      </p:grpSpPr>
+      <p:sp>
+        <p:nvSpPr>
+          <p:cNvPr id="4" name="Text Placeholder 3">
+            <a:extLst>
+              <a:ext uri="{FF2B5EF4-FFF2-40B4-BE49-F238E27FC236}">
                 <a16:creationId xmlns:a16="http://schemas.microsoft.com/office/drawing/2014/main" id="{91E9247A-66F9-4926-A418-CFDD2F7B461A}"/>
               </a:ext>
             </a:extLst>
@@ -20008,7 +20320,7 @@
 </p:sld>
 </file>
 
-<file path=ppt/slides/slide12.xml><?xml version="1.0" encoding="utf-8"?>
+<file path=ppt/slides/slide15.xml><?xml version="1.0" encoding="utf-8"?>
 <p:sld xmlns:a="http://schemas.openxmlformats.org/drawingml/2006/main" xmlns:r="http://schemas.openxmlformats.org/officeDocument/2006/relationships" xmlns:p="http://schemas.openxmlformats.org/presentationml/2006/main">
   <p:cSld>
     <p:spTree>
@@ -20080,12 +20392,94 @@
           <a:chExt cx="0" cy="0"/>
         </a:xfrm>
       </p:grpSpPr>
-      <p:sp>
-        <p:nvSpPr>
-          <p:cNvPr id="6" name="Text Placeholder 5">
-            <a:extLst>
-              <a:ext uri="{FF2B5EF4-FFF2-40B4-BE49-F238E27FC236}">
-                <a16:creationId xmlns:a16="http://schemas.microsoft.com/office/drawing/2014/main" id="{03B2A513-0286-4E02-B96B-F80481953ECA}"/>
+      <p:pic>
+        <p:nvPicPr>
+          <p:cNvPr id="11" name="Picture Placeholder 10" descr="A person standing in a room&#10;&#10;Description automatically generated">
+            <a:extLst>
+              <a:ext uri="{FF2B5EF4-FFF2-40B4-BE49-F238E27FC236}">
+                <a16:creationId xmlns:a16="http://schemas.microsoft.com/office/drawing/2014/main" id="{BB953432-5584-4CB9-8F40-BB4FC65CDF21}"/>
+              </a:ext>
+            </a:extLst>
+          </p:cNvPr>
+          <p:cNvPicPr>
+            <a:picLocks noGrp="1" noChangeAspect="1"/>
+          </p:cNvPicPr>
+          <p:nvPr>
+            <p:ph type="pic" sz="quarter" idx="10"/>
+          </p:nvPr>
+        </p:nvPicPr>
+        <p:blipFill>
+          <a:blip r:embed="rId2">
+            <a:extLst>
+              <a:ext uri="{28A0092B-C50C-407E-A947-70E740481C1C}">
+                <a14:useLocalDpi xmlns:a14="http://schemas.microsoft.com/office/drawing/2010/main" val="0"/>
+              </a:ext>
+            </a:extLst>
+          </a:blip>
+          <a:srcRect l="1911" r="1911"/>
+          <a:stretch>
+            <a:fillRect/>
+          </a:stretch>
+        </p:blipFill>
+        <p:spPr/>
+      </p:pic>
+      <p:sp>
+        <p:nvSpPr>
+          <p:cNvPr id="12" name="Rectangle 11">
+            <a:extLst>
+              <a:ext uri="{FF2B5EF4-FFF2-40B4-BE49-F238E27FC236}">
+                <a16:creationId xmlns:a16="http://schemas.microsoft.com/office/drawing/2014/main" id="{6C55EEEE-2562-4326-B178-D62E71321AEE}"/>
+              </a:ext>
+            </a:extLst>
+          </p:cNvPr>
+          <p:cNvSpPr/>
+          <p:nvPr/>
+        </p:nvSpPr>
+        <p:spPr>
+          <a:xfrm>
+            <a:off x="0" y="0"/>
+            <a:ext cx="12191999" cy="6858000"/>
+          </a:xfrm>
+          <a:prstGeom prst="rect">
+            <a:avLst/>
+          </a:prstGeom>
+          <a:solidFill>
+            <a:schemeClr val="tx2">
+              <a:alpha val="42000"/>
+            </a:schemeClr>
+          </a:solidFill>
+        </p:spPr>
+        <p:style>
+          <a:lnRef idx="2">
+            <a:schemeClr val="accent1">
+              <a:shade val="50000"/>
+            </a:schemeClr>
+          </a:lnRef>
+          <a:fillRef idx="1">
+            <a:schemeClr val="accent1"/>
+          </a:fillRef>
+          <a:effectRef idx="0">
+            <a:schemeClr val="accent1"/>
+          </a:effectRef>
+          <a:fontRef idx="minor">
+            <a:schemeClr val="lt1"/>
+          </a:fontRef>
+        </p:style>
+        <p:txBody>
+          <a:bodyPr rtlCol="0" anchor="ctr"/>
+          <a:lstStyle/>
+          <a:p>
+            <a:pPr algn="ctr"/>
+            <a:endParaRPr lang="en-GB"/>
+          </a:p>
+        </p:txBody>
+      </p:sp>
+      <p:sp>
+        <p:nvSpPr>
+          <p:cNvPr id="6" name="Content Placeholder 5">
+            <a:extLst>
+              <a:ext uri="{FF2B5EF4-FFF2-40B4-BE49-F238E27FC236}">
+                <a16:creationId xmlns:a16="http://schemas.microsoft.com/office/drawing/2014/main" id="{F5C69634-0A95-42AD-8C0E-EE1D3E507A1E}"/>
               </a:ext>
             </a:extLst>
           </p:cNvPr>
@@ -20093,7 +20487,7 @@
             <a:spLocks noGrp="1"/>
           </p:cNvSpPr>
           <p:nvPr>
-            <p:ph type="body" sz="quarter" idx="11"/>
+            <p:ph sz="quarter" idx="11"/>
           </p:nvPr>
         </p:nvSpPr>
         <p:spPr/>
@@ -20101,19 +20495,16 @@
           <a:bodyPr/>
           <a:lstStyle/>
           <a:p>
-            <a:r>
-              <a:rPr lang="en-US" dirty="0"/>
-              <a:t>What is Sass?</a:t>
-            </a:r>
-          </a:p>
-        </p:txBody>
-      </p:sp>
-      <p:sp>
-        <p:nvSpPr>
-          <p:cNvPr id="7" name="Text Placeholder 6">
-            <a:extLst>
-              <a:ext uri="{FF2B5EF4-FFF2-40B4-BE49-F238E27FC236}">
-                <a16:creationId xmlns:a16="http://schemas.microsoft.com/office/drawing/2014/main" id="{B710344F-0496-482F-BE61-E6224E004EBE}"/>
+            <a:endParaRPr lang="en-GB" dirty="0"/>
+          </a:p>
+        </p:txBody>
+      </p:sp>
+      <p:sp>
+        <p:nvSpPr>
+          <p:cNvPr id="4" name="Title 3">
+            <a:extLst>
+              <a:ext uri="{FF2B5EF4-FFF2-40B4-BE49-F238E27FC236}">
+                <a16:creationId xmlns:a16="http://schemas.microsoft.com/office/drawing/2014/main" id="{0744B0A1-3CC3-40AC-9FFC-65D0AD279864}"/>
               </a:ext>
             </a:extLst>
           </p:cNvPr>
@@ -20121,7 +20512,84 @@
             <a:spLocks noGrp="1"/>
           </p:cNvSpPr>
           <p:nvPr>
-            <p:ph type="body" sz="quarter" idx="12"/>
+            <p:ph type="ctrTitle"/>
+          </p:nvPr>
+        </p:nvSpPr>
+        <p:spPr/>
+        <p:txBody>
+          <a:bodyPr>
+            <a:noAutofit/>
+          </a:bodyPr>
+          <a:lstStyle/>
+          <a:p>
+            <a:r>
+              <a:rPr lang="en-GB" sz="2400" dirty="0"/>
+              <a:t>If you ask me if I think CSS pre-processors are worth learning, incorporating into your workflow, and what my favourite is, I'd tell you: yes, yes, and </a:t>
+            </a:r>
+            <a:r>
+              <a:rPr lang="en-GB" sz="2400" dirty="0">
+                <a:hlinkClick r:id="rId3">
+                  <a:extLst>
+                    <a:ext uri="{A12FA001-AC4F-418D-AE19-62706E023703}">
+                      <ahyp:hlinkClr xmlns:ahyp="http://schemas.microsoft.com/office/drawing/2018/hyperlinkcolor" val="tx"/>
+                    </a:ext>
+                  </a:extLst>
+                </a:hlinkClick>
+              </a:rPr>
+              <a:t>Sass</a:t>
+            </a:r>
+            <a:r>
+              <a:rPr lang="en-GB" sz="2400" dirty="0"/>
+              <a:t> with </a:t>
+            </a:r>
+            <a:r>
+              <a:rPr lang="en-GB" sz="2400" dirty="0">
+                <a:hlinkClick r:id="rId4">
+                  <a:extLst>
+                    <a:ext uri="{A12FA001-AC4F-418D-AE19-62706E023703}">
+                      <ahyp:hlinkClr xmlns:ahyp="http://schemas.microsoft.com/office/drawing/2018/hyperlinkcolor" val="tx"/>
+                    </a:ext>
+                  </a:extLst>
+                </a:hlinkClick>
+              </a:rPr>
+              <a:t>Compass</a:t>
+            </a:r>
+            <a:r>
+              <a:rPr lang="en-GB" sz="2400" dirty="0"/>
+              <a:t>.</a:t>
+            </a:r>
+            <a:br>
+              <a:rPr lang="en-GB" sz="2400" dirty="0"/>
+            </a:br>
+            <a:r>
+              <a:rPr lang="en-GB" sz="2400" dirty="0"/>
+              <a:t>- Chris </a:t>
+            </a:r>
+            <a:r>
+              <a:rPr lang="en-GB" sz="2400" dirty="0" err="1"/>
+              <a:t>Coyier</a:t>
+            </a:r>
+            <a:r>
+              <a:rPr lang="en-GB" sz="2400" dirty="0"/>
+              <a:t> -</a:t>
+            </a:r>
+          </a:p>
+        </p:txBody>
+      </p:sp>
+      <p:sp>
+        <p:nvSpPr>
+          <p:cNvPr id="7" name="Content Placeholder 6">
+            <a:extLst>
+              <a:ext uri="{FF2B5EF4-FFF2-40B4-BE49-F238E27FC236}">
+                <a16:creationId xmlns:a16="http://schemas.microsoft.com/office/drawing/2014/main" id="{E9215B5A-2931-4D9B-9324-10799EC4848E}"/>
+              </a:ext>
+            </a:extLst>
+          </p:cNvPr>
+          <p:cNvSpPr>
+            <a:spLocks noGrp="1"/>
+          </p:cNvSpPr>
+          <p:nvPr>
+            <p:ph sz="quarter" idx="12"/>
           </p:nvPr>
         </p:nvSpPr>
         <p:spPr/>
@@ -20129,14 +20597,14 @@
           <a:bodyPr/>
           <a:lstStyle/>
           <a:p>
-            <a:endParaRPr lang="en-US" dirty="0"/>
+            <a:endParaRPr lang="en-GB" dirty="0"/>
           </a:p>
         </p:txBody>
       </p:sp>
     </p:spTree>
     <p:extLst>
       <p:ext uri="{BB962C8B-B14F-4D97-AF65-F5344CB8AC3E}">
-        <p14:creationId xmlns:p14="http://schemas.microsoft.com/office/powerpoint/2010/main" val="213313420"/>
+        <p14:creationId xmlns:p14="http://schemas.microsoft.com/office/powerpoint/2010/main" val="4163312250"/>
       </p:ext>
     </p:extLst>
   </p:cSld>
@@ -20165,10 +20633,10 @@
       </p:grpSpPr>
       <p:sp>
         <p:nvSpPr>
-          <p:cNvPr id="4" name="Text Placeholder 3">
-            <a:extLst>
-              <a:ext uri="{FF2B5EF4-FFF2-40B4-BE49-F238E27FC236}">
-                <a16:creationId xmlns:a16="http://schemas.microsoft.com/office/drawing/2014/main" id="{91E9247A-66F9-4926-A418-CFDD2F7B461A}"/>
+          <p:cNvPr id="4" name="Title 3">
+            <a:extLst>
+              <a:ext uri="{FF2B5EF4-FFF2-40B4-BE49-F238E27FC236}">
+                <a16:creationId xmlns:a16="http://schemas.microsoft.com/office/drawing/2014/main" id="{8A587A56-8970-4C61-8EBC-2A71207C89B4}"/>
               </a:ext>
             </a:extLst>
           </p:cNvPr>
@@ -20176,7 +20644,7 @@
             <a:spLocks noGrp="1"/>
           </p:cNvSpPr>
           <p:nvPr>
-            <p:ph type="body" sz="quarter" idx="11"/>
+            <p:ph type="title"/>
           </p:nvPr>
         </p:nvSpPr>
         <p:spPr/>
@@ -20185,8 +20653,8 @@
           <a:lstStyle/>
           <a:p>
             <a:r>
-              <a:rPr lang="en-US" dirty="0"/>
-              <a:t>Preprocessing</a:t>
+              <a:rPr lang="en-GB" dirty="0"/>
+              <a:t>What is Sass?</a:t>
             </a:r>
           </a:p>
         </p:txBody>
@@ -20196,7 +20664,7 @@
           <p:cNvPr id="5" name="Text Placeholder 4">
             <a:extLst>
               <a:ext uri="{FF2B5EF4-FFF2-40B4-BE49-F238E27FC236}">
-                <a16:creationId xmlns:a16="http://schemas.microsoft.com/office/drawing/2014/main" id="{B2851CF9-27CE-4E1B-BA7F-B9CD6E60E84E}"/>
+                <a16:creationId xmlns:a16="http://schemas.microsoft.com/office/drawing/2014/main" id="{48756355-325E-4A5B-81E2-CAD21BC095A8}"/>
               </a:ext>
             </a:extLst>
           </p:cNvPr>
@@ -20212,14 +20680,55 @@
           <a:bodyPr/>
           <a:lstStyle/>
           <a:p>
-            <a:endParaRPr lang="en-US"/>
-          </a:p>
-        </p:txBody>
-      </p:sp>
+            <a:r>
+              <a:rPr lang="en-GB" cap="all" dirty="0"/>
+              <a:t>CSS</a:t>
+            </a:r>
+            <a:r>
+              <a:rPr lang="en-GB" dirty="0"/>
+              <a:t> with superpowers – Sass Team</a:t>
+            </a:r>
+          </a:p>
+        </p:txBody>
+      </p:sp>
+      <p:pic>
+        <p:nvPicPr>
+          <p:cNvPr id="30" name="Picture Placeholder 29" descr="A screen shot of a computer&#10;&#10;Description automatically generated">
+            <a:extLst>
+              <a:ext uri="{FF2B5EF4-FFF2-40B4-BE49-F238E27FC236}">
+                <a16:creationId xmlns:a16="http://schemas.microsoft.com/office/drawing/2014/main" id="{D5F453C1-73AF-4D58-BA35-6580950F01D5}"/>
+              </a:ext>
+            </a:extLst>
+          </p:cNvPr>
+          <p:cNvPicPr>
+            <a:picLocks noGrp="1" noChangeAspect="1"/>
+          </p:cNvPicPr>
+          <p:nvPr>
+            <p:ph type="pic" sz="quarter" idx="13"/>
+          </p:nvPr>
+        </p:nvPicPr>
+        <p:blipFill rotWithShape="1">
+          <a:blip r:embed="rId2">
+            <a:extLst>
+              <a:ext uri="{28A0092B-C50C-407E-A947-70E740481C1C}">
+                <a14:useLocalDpi xmlns:a14="http://schemas.microsoft.com/office/drawing/2010/main" val="0"/>
+              </a:ext>
+            </a:extLst>
+          </a:blip>
+          <a:srcRect l="15059" r="32427"/>
+          <a:stretch/>
+        </p:blipFill>
+        <p:spPr>
+          <a:xfrm>
+            <a:off x="5310906" y="-1"/>
+            <a:ext cx="6881094" cy="6858000"/>
+          </a:xfrm>
+        </p:spPr>
+      </p:pic>
     </p:spTree>
     <p:extLst>
       <p:ext uri="{BB962C8B-B14F-4D97-AF65-F5344CB8AC3E}">
-        <p14:creationId xmlns:p14="http://schemas.microsoft.com/office/powerpoint/2010/main" val="51147665"/>
+        <p14:creationId xmlns:p14="http://schemas.microsoft.com/office/powerpoint/2010/main" val="2084706228"/>
       </p:ext>
     </p:extLst>
   </p:cSld>
@@ -20248,10 +20757,10 @@
       </p:grpSpPr>
       <p:sp>
         <p:nvSpPr>
-          <p:cNvPr id="4" name="Text Placeholder 3">
-            <a:extLst>
-              <a:ext uri="{FF2B5EF4-FFF2-40B4-BE49-F238E27FC236}">
-                <a16:creationId xmlns:a16="http://schemas.microsoft.com/office/drawing/2014/main" id="{81ACA07D-0759-4AFF-BDC0-5FB1F46B5041}"/>
+          <p:cNvPr id="5" name="Title 4">
+            <a:extLst>
+              <a:ext uri="{FF2B5EF4-FFF2-40B4-BE49-F238E27FC236}">
+                <a16:creationId xmlns:a16="http://schemas.microsoft.com/office/drawing/2014/main" id="{B9097C01-F414-47F2-94C5-A45D534A93B8}"/>
               </a:ext>
             </a:extLst>
           </p:cNvPr>
@@ -20259,7 +20768,7 @@
             <a:spLocks noGrp="1"/>
           </p:cNvSpPr>
           <p:nvPr>
-            <p:ph type="body" sz="quarter" idx="11"/>
+            <p:ph type="title"/>
           </p:nvPr>
         </p:nvSpPr>
         <p:spPr/>
@@ -20268,18 +20777,18 @@
           <a:lstStyle/>
           <a:p>
             <a:r>
-              <a:rPr lang="en-US" dirty="0"/>
-              <a:t>Nesting</a:t>
-            </a:r>
-          </a:p>
-        </p:txBody>
-      </p:sp>
-      <p:sp>
-        <p:nvSpPr>
-          <p:cNvPr id="5" name="Text Placeholder 4">
-            <a:extLst>
-              <a:ext uri="{FF2B5EF4-FFF2-40B4-BE49-F238E27FC236}">
-                <a16:creationId xmlns:a16="http://schemas.microsoft.com/office/drawing/2014/main" id="{60C14038-B45C-4DE1-80D3-9115F152406B}"/>
+              <a:rPr lang="en-GB" dirty="0"/>
+              <a:t>What is it?</a:t>
+            </a:r>
+          </a:p>
+        </p:txBody>
+      </p:sp>
+      <p:sp>
+        <p:nvSpPr>
+          <p:cNvPr id="8" name="Content Placeholder 7">
+            <a:extLst>
+              <a:ext uri="{FF2B5EF4-FFF2-40B4-BE49-F238E27FC236}">
+                <a16:creationId xmlns:a16="http://schemas.microsoft.com/office/drawing/2014/main" id="{35B34F88-B88C-4133-A62A-B4022A689BE0}"/>
               </a:ext>
             </a:extLst>
           </p:cNvPr>
@@ -20287,7 +20796,7 @@
             <a:spLocks noGrp="1"/>
           </p:cNvSpPr>
           <p:nvPr>
-            <p:ph type="body" sz="quarter" idx="12"/>
+            <p:ph idx="1"/>
           </p:nvPr>
         </p:nvSpPr>
         <p:spPr/>
@@ -20295,14 +20804,96 @@
           <a:bodyPr/>
           <a:lstStyle/>
           <a:p>
-            <a:endParaRPr lang="en-US"/>
+            <a:r>
+              <a:rPr lang="en-GB" dirty="0"/>
+              <a:t>Sass is the most mature, stable, and powerful professional grade </a:t>
+            </a:r>
+            <a:r>
+              <a:rPr lang="en-GB" cap="all" dirty="0"/>
+              <a:t>CSS</a:t>
+            </a:r>
+            <a:r>
+              <a:rPr lang="en-GB" dirty="0"/>
+              <a:t> extension language in the world.</a:t>
+            </a:r>
+          </a:p>
+          <a:p>
+            <a:endParaRPr lang="en-GB" dirty="0"/>
+          </a:p>
+          <a:p>
+            <a:pPr marL="285750" indent="-285750">
+              <a:buFont typeface="Arial" panose="020B0604020202020204" pitchFamily="34" charset="0"/>
+              <a:buChar char="•"/>
+            </a:pPr>
+            <a:r>
+              <a:rPr lang="en-GB" dirty="0"/>
+              <a:t>CSS Compatible</a:t>
+            </a:r>
+          </a:p>
+          <a:p>
+            <a:pPr marL="971550" lvl="1" indent="-285750"/>
+            <a:r>
+              <a:rPr lang="en-GB" dirty="0"/>
+              <a:t>Sass is completely compatible with all versions of CSS, allowing you to seamlessly use any available CSS libraries.</a:t>
+            </a:r>
+          </a:p>
+          <a:p>
+            <a:pPr marL="285750" indent="-285750">
+              <a:buFont typeface="Arial" panose="020B0604020202020204" pitchFamily="34" charset="0"/>
+              <a:buChar char="•"/>
+            </a:pPr>
+            <a:r>
+              <a:rPr lang="en-GB" dirty="0"/>
+              <a:t>Feature Rich</a:t>
+            </a:r>
+          </a:p>
+          <a:p>
+            <a:pPr marL="971550" lvl="1" indent="-285750"/>
+            <a:r>
+              <a:rPr lang="en-GB" dirty="0"/>
+              <a:t>Sass boasts more features and abilities than any other CSS extension language out there.</a:t>
+            </a:r>
+          </a:p>
+          <a:p>
+            <a:pPr marL="285750" indent="-285750">
+              <a:buFont typeface="Arial" panose="020B0604020202020204" pitchFamily="34" charset="0"/>
+              <a:buChar char="•"/>
+            </a:pPr>
+            <a:r>
+              <a:rPr lang="en-GB" dirty="0"/>
+              <a:t>Mature</a:t>
+            </a:r>
+          </a:p>
+          <a:p>
+            <a:pPr marL="971550" lvl="1" indent="-285750"/>
+            <a:r>
+              <a:rPr lang="en-GB" dirty="0"/>
+              <a:t>Sass has been actively supported for over 12 years!</a:t>
+            </a:r>
+          </a:p>
+          <a:p>
+            <a:pPr marL="285750" indent="-285750">
+              <a:buFont typeface="Arial" panose="020B0604020202020204" pitchFamily="34" charset="0"/>
+              <a:buChar char="•"/>
+            </a:pPr>
+            <a:r>
+              <a:rPr lang="en-GB" dirty="0"/>
+              <a:t>Industry Approved</a:t>
+            </a:r>
+          </a:p>
+          <a:p>
+            <a:pPr marL="971550" lvl="1" indent="-285750"/>
+            <a:r>
+              <a:rPr lang="en-GB" dirty="0"/>
+              <a:t>Sass has steadily become an industry standard with many job specs listing Sass as either a desirable skill or requirement of the role.</a:t>
+            </a:r>
           </a:p>
         </p:txBody>
       </p:sp>
     </p:spTree>
     <p:extLst>
       <p:ext uri="{BB962C8B-B14F-4D97-AF65-F5344CB8AC3E}">
-        <p14:creationId xmlns:p14="http://schemas.microsoft.com/office/powerpoint/2010/main" val="2092495300"/>
+        <p14:creationId xmlns:p14="http://schemas.microsoft.com/office/powerpoint/2010/main" val="3045863739"/>
       </p:ext>
     </p:extLst>
   </p:cSld>
@@ -20334,7 +20925,7 @@
           <p:cNvPr id="4" name="Text Placeholder 3">
             <a:extLst>
               <a:ext uri="{FF2B5EF4-FFF2-40B4-BE49-F238E27FC236}">
-                <a16:creationId xmlns:a16="http://schemas.microsoft.com/office/drawing/2014/main" id="{394420A5-0E12-4C0F-834B-C637DA46212E}"/>
+                <a16:creationId xmlns:a16="http://schemas.microsoft.com/office/drawing/2014/main" id="{91E9247A-66F9-4926-A418-CFDD2F7B461A}"/>
               </a:ext>
             </a:extLst>
           </p:cNvPr>
@@ -20352,7 +20943,7 @@
           <a:p>
             <a:r>
               <a:rPr lang="en-US" dirty="0"/>
-              <a:t>Variables</a:t>
+              <a:t>Preprocessing</a:t>
             </a:r>
           </a:p>
         </p:txBody>
@@ -20362,7 +20953,7 @@
           <p:cNvPr id="5" name="Text Placeholder 4">
             <a:extLst>
               <a:ext uri="{FF2B5EF4-FFF2-40B4-BE49-F238E27FC236}">
-                <a16:creationId xmlns:a16="http://schemas.microsoft.com/office/drawing/2014/main" id="{368AAC6F-F7F9-4296-A0F2-3D240B651E15}"/>
+                <a16:creationId xmlns:a16="http://schemas.microsoft.com/office/drawing/2014/main" id="{B2851CF9-27CE-4E1B-BA7F-B9CD6E60E84E}"/>
               </a:ext>
             </a:extLst>
           </p:cNvPr>
@@ -20378,14 +20969,14 @@
           <a:bodyPr/>
           <a:lstStyle/>
           <a:p>
-            <a:endParaRPr lang="en-US"/>
+            <a:endParaRPr lang="en-US" dirty="0"/>
           </a:p>
         </p:txBody>
       </p:sp>
     </p:spTree>
     <p:extLst>
       <p:ext uri="{BB962C8B-B14F-4D97-AF65-F5344CB8AC3E}">
-        <p14:creationId xmlns:p14="http://schemas.microsoft.com/office/powerpoint/2010/main" val="1927471422"/>
+        <p14:creationId xmlns:p14="http://schemas.microsoft.com/office/powerpoint/2010/main" val="51147665"/>
       </p:ext>
     </p:extLst>
   </p:cSld>
@@ -20414,10 +21005,10 @@
       </p:grpSpPr>
       <p:sp>
         <p:nvSpPr>
-          <p:cNvPr id="6" name="Text Placeholder 5">
-            <a:extLst>
-              <a:ext uri="{FF2B5EF4-FFF2-40B4-BE49-F238E27FC236}">
-                <a16:creationId xmlns:a16="http://schemas.microsoft.com/office/drawing/2014/main" id="{03B2A513-0286-4E02-B96B-F80481953ECA}"/>
+          <p:cNvPr id="5" name="Title 4">
+            <a:extLst>
+              <a:ext uri="{FF2B5EF4-FFF2-40B4-BE49-F238E27FC236}">
+                <a16:creationId xmlns:a16="http://schemas.microsoft.com/office/drawing/2014/main" id="{B9097C01-F414-47F2-94C5-A45D534A93B8}"/>
               </a:ext>
             </a:extLst>
           </p:cNvPr>
@@ -20425,7 +21016,7 @@
             <a:spLocks noGrp="1"/>
           </p:cNvSpPr>
           <p:nvPr>
-            <p:ph type="body" sz="quarter" idx="11"/>
+            <p:ph type="title"/>
           </p:nvPr>
         </p:nvSpPr>
         <p:spPr/>
@@ -20434,18 +21025,18 @@
           <a:lstStyle/>
           <a:p>
             <a:r>
-              <a:rPr lang="en-US" dirty="0"/>
-              <a:t>Operators</a:t>
-            </a:r>
-          </a:p>
-        </p:txBody>
-      </p:sp>
-      <p:sp>
-        <p:nvSpPr>
-          <p:cNvPr id="7" name="Text Placeholder 6">
-            <a:extLst>
-              <a:ext uri="{FF2B5EF4-FFF2-40B4-BE49-F238E27FC236}">
-                <a16:creationId xmlns:a16="http://schemas.microsoft.com/office/drawing/2014/main" id="{B710344F-0496-482F-BE61-E6224E004EBE}"/>
+              <a:rPr lang="en-GB" dirty="0"/>
+              <a:t>How do I use it?</a:t>
+            </a:r>
+          </a:p>
+        </p:txBody>
+      </p:sp>
+      <p:sp>
+        <p:nvSpPr>
+          <p:cNvPr id="8" name="Content Placeholder 7">
+            <a:extLst>
+              <a:ext uri="{FF2B5EF4-FFF2-40B4-BE49-F238E27FC236}">
+                <a16:creationId xmlns:a16="http://schemas.microsoft.com/office/drawing/2014/main" id="{35B34F88-B88C-4133-A62A-B4022A689BE0}"/>
               </a:ext>
             </a:extLst>
           </p:cNvPr>
@@ -20453,7 +21044,7 @@
             <a:spLocks noGrp="1"/>
           </p:cNvSpPr>
           <p:nvPr>
-            <p:ph type="body" sz="quarter" idx="12"/>
+            <p:ph idx="1"/>
           </p:nvPr>
         </p:nvSpPr>
         <p:spPr/>
@@ -20461,14 +21052,96 @@
           <a:bodyPr/>
           <a:lstStyle/>
           <a:p>
-            <a:endParaRPr lang="en-US" dirty="0"/>
+            <a:r>
+              <a:rPr lang="en-GB" dirty="0"/>
+              <a:t>Sass is the most mature, stable, and powerful professional grade </a:t>
+            </a:r>
+            <a:r>
+              <a:rPr lang="en-GB" cap="all" dirty="0"/>
+              <a:t>CSS</a:t>
+            </a:r>
+            <a:r>
+              <a:rPr lang="en-GB" dirty="0"/>
+              <a:t> extension language in the world.</a:t>
+            </a:r>
+          </a:p>
+          <a:p>
+            <a:endParaRPr lang="en-GB" dirty="0"/>
+          </a:p>
+          <a:p>
+            <a:pPr marL="285750" indent="-285750">
+              <a:buFont typeface="Arial" panose="020B0604020202020204" pitchFamily="34" charset="0"/>
+              <a:buChar char="•"/>
+            </a:pPr>
+            <a:r>
+              <a:rPr lang="en-GB" dirty="0"/>
+              <a:t>CSS Compatible</a:t>
+            </a:r>
+          </a:p>
+          <a:p>
+            <a:pPr marL="971550" lvl="1" indent="-285750"/>
+            <a:r>
+              <a:rPr lang="en-GB" dirty="0"/>
+              <a:t>Sass is completely compatible with all versions of CSS, allowing you to seamlessly use any available CSS libraries.</a:t>
+            </a:r>
+          </a:p>
+          <a:p>
+            <a:pPr marL="285750" indent="-285750">
+              <a:buFont typeface="Arial" panose="020B0604020202020204" pitchFamily="34" charset="0"/>
+              <a:buChar char="•"/>
+            </a:pPr>
+            <a:r>
+              <a:rPr lang="en-GB" dirty="0"/>
+              <a:t>Feature Rich</a:t>
+            </a:r>
+          </a:p>
+          <a:p>
+            <a:pPr marL="971550" lvl="1" indent="-285750"/>
+            <a:r>
+              <a:rPr lang="en-GB" dirty="0"/>
+              <a:t>Sass boasts more features and abilities than any other CSS extension language out there.</a:t>
+            </a:r>
+          </a:p>
+          <a:p>
+            <a:pPr marL="285750" indent="-285750">
+              <a:buFont typeface="Arial" panose="020B0604020202020204" pitchFamily="34" charset="0"/>
+              <a:buChar char="•"/>
+            </a:pPr>
+            <a:r>
+              <a:rPr lang="en-GB" dirty="0"/>
+              <a:t>Mature</a:t>
+            </a:r>
+          </a:p>
+          <a:p>
+            <a:pPr marL="971550" lvl="1" indent="-285750"/>
+            <a:r>
+              <a:rPr lang="en-GB" dirty="0"/>
+              <a:t>Sass has been actively supported for over 12 years!</a:t>
+            </a:r>
+          </a:p>
+          <a:p>
+            <a:pPr marL="285750" indent="-285750">
+              <a:buFont typeface="Arial" panose="020B0604020202020204" pitchFamily="34" charset="0"/>
+              <a:buChar char="•"/>
+            </a:pPr>
+            <a:r>
+              <a:rPr lang="en-GB" dirty="0"/>
+              <a:t>Industry Approved</a:t>
+            </a:r>
+          </a:p>
+          <a:p>
+            <a:pPr marL="971550" lvl="1" indent="-285750"/>
+            <a:r>
+              <a:rPr lang="en-GB" dirty="0"/>
+              <a:t>Sass has steadily become an industry standard with many job specs listing Sass as either a desirable skill or requirement of the role.</a:t>
+            </a:r>
           </a:p>
         </p:txBody>
       </p:sp>
     </p:spTree>
     <p:extLst>
       <p:ext uri="{BB962C8B-B14F-4D97-AF65-F5344CB8AC3E}">
-        <p14:creationId xmlns:p14="http://schemas.microsoft.com/office/powerpoint/2010/main" val="351628028"/>
+        <p14:creationId xmlns:p14="http://schemas.microsoft.com/office/powerpoint/2010/main" val="2882471232"/>
       </p:ext>
     </p:extLst>
   </p:cSld>
@@ -20500,7 +21173,7 @@
           <p:cNvPr id="4" name="Text Placeholder 3">
             <a:extLst>
               <a:ext uri="{FF2B5EF4-FFF2-40B4-BE49-F238E27FC236}">
-                <a16:creationId xmlns:a16="http://schemas.microsoft.com/office/drawing/2014/main" id="{91E9247A-66F9-4926-A418-CFDD2F7B461A}"/>
+                <a16:creationId xmlns:a16="http://schemas.microsoft.com/office/drawing/2014/main" id="{81ACA07D-0759-4AFF-BDC0-5FB1F46B5041}"/>
               </a:ext>
             </a:extLst>
           </p:cNvPr>
@@ -20517,10 +21190,9 @@
           <a:lstStyle/>
           <a:p>
             <a:r>
-              <a:rPr lang="en-US" dirty="0" err="1"/>
-              <a:t>Mixins</a:t>
-            </a:r>
-            <a:endParaRPr lang="en-US" dirty="0"/>
+              <a:rPr lang="en-US" dirty="0"/>
+              <a:t>Nesting</a:t>
+            </a:r>
           </a:p>
         </p:txBody>
       </p:sp>
@@ -20529,7 +21201,7 @@
           <p:cNvPr id="5" name="Text Placeholder 4">
             <a:extLst>
               <a:ext uri="{FF2B5EF4-FFF2-40B4-BE49-F238E27FC236}">
-                <a16:creationId xmlns:a16="http://schemas.microsoft.com/office/drawing/2014/main" id="{B2851CF9-27CE-4E1B-BA7F-B9CD6E60E84E}"/>
+                <a16:creationId xmlns:a16="http://schemas.microsoft.com/office/drawing/2014/main" id="{60C14038-B45C-4DE1-80D3-9115F152406B}"/>
               </a:ext>
             </a:extLst>
           </p:cNvPr>
@@ -20552,7 +21224,7 @@
     </p:spTree>
     <p:extLst>
       <p:ext uri="{BB962C8B-B14F-4D97-AF65-F5344CB8AC3E}">
-        <p14:creationId xmlns:p14="http://schemas.microsoft.com/office/powerpoint/2010/main" val="2009415653"/>
+        <p14:creationId xmlns:p14="http://schemas.microsoft.com/office/powerpoint/2010/main" val="2092495300"/>
       </p:ext>
     </p:extLst>
   </p:cSld>
@@ -20584,7 +21256,7 @@
           <p:cNvPr id="4" name="Text Placeholder 3">
             <a:extLst>
               <a:ext uri="{FF2B5EF4-FFF2-40B4-BE49-F238E27FC236}">
-                <a16:creationId xmlns:a16="http://schemas.microsoft.com/office/drawing/2014/main" id="{81ACA07D-0759-4AFF-BDC0-5FB1F46B5041}"/>
+                <a16:creationId xmlns:a16="http://schemas.microsoft.com/office/drawing/2014/main" id="{394420A5-0E12-4C0F-834B-C637DA46212E}"/>
               </a:ext>
             </a:extLst>
           </p:cNvPr>
@@ -20602,7 +21274,7 @@
           <a:p>
             <a:r>
               <a:rPr lang="en-US" dirty="0"/>
-              <a:t>Partials</a:t>
+              <a:t>Variables</a:t>
             </a:r>
           </a:p>
         </p:txBody>
@@ -20612,7 +21284,7 @@
           <p:cNvPr id="5" name="Text Placeholder 4">
             <a:extLst>
               <a:ext uri="{FF2B5EF4-FFF2-40B4-BE49-F238E27FC236}">
-                <a16:creationId xmlns:a16="http://schemas.microsoft.com/office/drawing/2014/main" id="{60C14038-B45C-4DE1-80D3-9115F152406B}"/>
+                <a16:creationId xmlns:a16="http://schemas.microsoft.com/office/drawing/2014/main" id="{368AAC6F-F7F9-4296-A0F2-3D240B651E15}"/>
               </a:ext>
             </a:extLst>
           </p:cNvPr>
@@ -20635,7 +21307,7 @@
     </p:spTree>
     <p:extLst>
       <p:ext uri="{BB962C8B-B14F-4D97-AF65-F5344CB8AC3E}">
-        <p14:creationId xmlns:p14="http://schemas.microsoft.com/office/powerpoint/2010/main" val="3659295445"/>
+        <p14:creationId xmlns:p14="http://schemas.microsoft.com/office/powerpoint/2010/main" val="1927471422"/>
       </p:ext>
     </p:extLst>
   </p:cSld>
@@ -20664,10 +21336,10 @@
       </p:grpSpPr>
       <p:sp>
         <p:nvSpPr>
-          <p:cNvPr id="4" name="Text Placeholder 3">
-            <a:extLst>
-              <a:ext uri="{FF2B5EF4-FFF2-40B4-BE49-F238E27FC236}">
-                <a16:creationId xmlns:a16="http://schemas.microsoft.com/office/drawing/2014/main" id="{394420A5-0E12-4C0F-834B-C637DA46212E}"/>
+          <p:cNvPr id="6" name="Text Placeholder 5">
+            <a:extLst>
+              <a:ext uri="{FF2B5EF4-FFF2-40B4-BE49-F238E27FC236}">
+                <a16:creationId xmlns:a16="http://schemas.microsoft.com/office/drawing/2014/main" id="{03B2A513-0286-4E02-B96B-F80481953ECA}"/>
               </a:ext>
             </a:extLst>
           </p:cNvPr>
@@ -20685,17 +21357,17 @@
           <a:p>
             <a:r>
               <a:rPr lang="en-US" dirty="0"/>
-              <a:t>Conditionals &amp; Loops</a:t>
-            </a:r>
-          </a:p>
-        </p:txBody>
-      </p:sp>
-      <p:sp>
-        <p:nvSpPr>
-          <p:cNvPr id="5" name="Text Placeholder 4">
-            <a:extLst>
-              <a:ext uri="{FF2B5EF4-FFF2-40B4-BE49-F238E27FC236}">
-                <a16:creationId xmlns:a16="http://schemas.microsoft.com/office/drawing/2014/main" id="{368AAC6F-F7F9-4296-A0F2-3D240B651E15}"/>
+              <a:t>Operators</a:t>
+            </a:r>
+          </a:p>
+        </p:txBody>
+      </p:sp>
+      <p:sp>
+        <p:nvSpPr>
+          <p:cNvPr id="7" name="Text Placeholder 6">
+            <a:extLst>
+              <a:ext uri="{FF2B5EF4-FFF2-40B4-BE49-F238E27FC236}">
+                <a16:creationId xmlns:a16="http://schemas.microsoft.com/office/drawing/2014/main" id="{B710344F-0496-482F-BE61-E6224E004EBE}"/>
               </a:ext>
             </a:extLst>
           </p:cNvPr>
@@ -20711,14 +21383,14 @@
           <a:bodyPr/>
           <a:lstStyle/>
           <a:p>
-            <a:endParaRPr lang="en-US"/>
+            <a:endParaRPr lang="en-US" dirty="0"/>
           </a:p>
         </p:txBody>
       </p:sp>
     </p:spTree>
     <p:extLst>
       <p:ext uri="{BB962C8B-B14F-4D97-AF65-F5344CB8AC3E}">
-        <p14:creationId xmlns:p14="http://schemas.microsoft.com/office/powerpoint/2010/main" val="91583965"/>
+        <p14:creationId xmlns:p14="http://schemas.microsoft.com/office/powerpoint/2010/main" val="351628028"/>
       </p:ext>
     </p:extLst>
   </p:cSld>
@@ -21779,18 +22451,18 @@
 </file>
 
 <file path=customXml/item2.xml><?xml version="1.0" encoding="utf-8"?>
+<p:properties xmlns:p="http://schemas.microsoft.com/office/2006/metadata/properties" xmlns:xsi="http://www.w3.org/2001/XMLSchema-instance" xmlns:pc="http://schemas.microsoft.com/office/infopath/2007/PartnerControls">
+  <documentManagement/>
+</p:properties>
+</file>
+
+<file path=customXml/item3.xml><?xml version="1.0" encoding="utf-8"?>
 <?mso-contentType ?>
 <FormTemplates xmlns="http://schemas.microsoft.com/sharepoint/v3/contenttype/forms">
   <Display>DocumentLibraryForm</Display>
   <Edit>DocumentLibraryForm</Edit>
   <New>DocumentLibraryForm</New>
 </FormTemplates>
-</file>
-
-<file path=customXml/item3.xml><?xml version="1.0" encoding="utf-8"?>
-<p:properties xmlns:p="http://schemas.microsoft.com/office/2006/metadata/properties" xmlns:xsi="http://www.w3.org/2001/XMLSchema-instance" xmlns:pc="http://schemas.microsoft.com/office/infopath/2007/PartnerControls">
-  <documentManagement/>
-</p:properties>
 </file>
 
 <file path=customXml/itemProps1.xml><?xml version="1.0" encoding="utf-8"?>
@@ -21813,25 +22485,26 @@
 </file>
 
 <file path=customXml/itemProps2.xml><?xml version="1.0" encoding="utf-8"?>
+<ds:datastoreItem xmlns:ds="http://schemas.openxmlformats.org/officeDocument/2006/customXml" ds:itemID="{A10276D4-0FA0-449A-8A1C-AB48847BE4BE}">
+  <ds:schemaRefs>
+    <ds:schemaRef ds:uri="d3ebbe60-3df8-412c-bb94-9d27aafd3002"/>
+    <ds:schemaRef ds:uri="http://purl.org/dc/elements/1.1/"/>
+    <ds:schemaRef ds:uri="http://schemas.openxmlformats.org/package/2006/metadata/core-properties"/>
+    <ds:schemaRef ds:uri="c85a426e-512c-403f-b162-acc8a32aa24c"/>
+    <ds:schemaRef ds:uri="http://purl.org/dc/terms/"/>
+    <ds:schemaRef ds:uri="http://schemas.microsoft.com/office/2006/documentManagement/types"/>
+    <ds:schemaRef ds:uri="http://purl.org/dc/dcmitype/"/>
+    <ds:schemaRef ds:uri="http://schemas.microsoft.com/office/2006/metadata/properties"/>
+    <ds:schemaRef ds:uri="http://schemas.microsoft.com/office/infopath/2007/PartnerControls"/>
+    <ds:schemaRef ds:uri="http://www.w3.org/XML/1998/namespace"/>
+  </ds:schemaRefs>
+</ds:datastoreItem>
+</file>
+
+<file path=customXml/itemProps3.xml><?xml version="1.0" encoding="utf-8"?>
 <ds:datastoreItem xmlns:ds="http://schemas.openxmlformats.org/officeDocument/2006/customXml" ds:itemID="{B460F8F6-9D3D-4D53-A54C-31107681F9D1}">
   <ds:schemaRefs>
     <ds:schemaRef ds:uri="http://schemas.microsoft.com/sharepoint/v3/contenttype/forms"/>
   </ds:schemaRefs>
 </ds:datastoreItem>
-</file>
-
-<file path=customXml/itemProps3.xml><?xml version="1.0" encoding="utf-8"?>
-<ds:datastoreItem xmlns:ds="http://schemas.openxmlformats.org/officeDocument/2006/customXml" ds:itemID="{A10276D4-0FA0-449A-8A1C-AB48847BE4BE}">
-  <ds:schemaRefs>
-    <ds:schemaRef ds:uri="http://purl.org/dc/terms/"/>
-    <ds:schemaRef ds:uri="http://schemas.openxmlformats.org/package/2006/metadata/core-properties"/>
-    <ds:schemaRef ds:uri="http://schemas.microsoft.com/office/2006/documentManagement/types"/>
-    <ds:schemaRef ds:uri="http://schemas.microsoft.com/office/infopath/2007/PartnerControls"/>
-    <ds:schemaRef ds:uri="http://purl.org/dc/elements/1.1/"/>
-    <ds:schemaRef ds:uri="http://schemas.microsoft.com/office/2006/metadata/properties"/>
-    <ds:schemaRef ds:uri="38454118-d283-4643-b254-cd768ff06b03"/>
-    <ds:schemaRef ds:uri="http://www.w3.org/XML/1998/namespace"/>
-    <ds:schemaRef ds:uri="http://purl.org/dc/dcmitype/"/>
-  </ds:schemaRefs>
-</ds:datastoreItem>
 </file>
--- a/docs/SASS Intro.pptx
+++ b/docs/SASS Intro.pptx
@@ -5,27 +5,23 @@
     <p:sldMasterId id="2147483684" r:id="rId4"/>
   </p:sldMasterIdLst>
   <p:notesMasterIdLst>
-    <p:notesMasterId r:id="rId20"/>
+    <p:notesMasterId r:id="rId16"/>
   </p:notesMasterIdLst>
   <p:handoutMasterIdLst>
-    <p:handoutMasterId r:id="rId21"/>
+    <p:handoutMasterId r:id="rId17"/>
   </p:handoutMasterIdLst>
   <p:sldIdLst>
     <p:sldId id="926" r:id="rId5"/>
     <p:sldId id="941" r:id="rId6"/>
     <p:sldId id="939" r:id="rId7"/>
     <p:sldId id="940" r:id="rId8"/>
-    <p:sldId id="930" r:id="rId9"/>
-    <p:sldId id="942" r:id="rId10"/>
-    <p:sldId id="931" r:id="rId11"/>
-    <p:sldId id="932" r:id="rId12"/>
-    <p:sldId id="933" r:id="rId13"/>
-    <p:sldId id="934" r:id="rId14"/>
-    <p:sldId id="935" r:id="rId15"/>
-    <p:sldId id="936" r:id="rId16"/>
-    <p:sldId id="937" r:id="rId17"/>
-    <p:sldId id="938" r:id="rId18"/>
-    <p:sldId id="928" r:id="rId19"/>
+    <p:sldId id="931" r:id="rId9"/>
+    <p:sldId id="932" r:id="rId10"/>
+    <p:sldId id="933" r:id="rId11"/>
+    <p:sldId id="934" r:id="rId12"/>
+    <p:sldId id="936" r:id="rId13"/>
+    <p:sldId id="937" r:id="rId14"/>
+    <p:sldId id="928" r:id="rId15"/>
   </p:sldIdLst>
   <p:sldSz cx="12192000" cy="6858000"/>
   <p:notesSz cx="6858000" cy="9144000"/>
@@ -139,12 +135,6 @@
             <p14:sldId id="940"/>
           </p14:sldIdLst>
         </p14:section>
-        <p14:section name="Preprocessing" id="{D12284D2-2F31-49F2-94D3-3D1D062314C5}">
-          <p14:sldIdLst>
-            <p14:sldId id="930"/>
-            <p14:sldId id="942"/>
-          </p14:sldIdLst>
-        </p14:section>
         <p14:section name="Nesting" id="{E9CAA418-3B41-4F4B-93EC-853209E37EE1}">
           <p14:sldIdLst>
             <p14:sldId id="931"/>
@@ -165,11 +155,6 @@
             <p14:sldId id="934"/>
           </p14:sldIdLst>
         </p14:section>
-        <p14:section name="Partials" id="{0DF10247-9B29-4F73-8F89-78A9C0FB6726}">
-          <p14:sldIdLst>
-            <p14:sldId id="935"/>
-          </p14:sldIdLst>
-        </p14:section>
         <p14:section name="Conditionals &amp; Loops" id="{ACB99D7E-B04B-40B9-A5FD-11C6EB924490}">
           <p14:sldIdLst>
             <p14:sldId id="936"/>
@@ -178,11 +163,6 @@
         <p14:section name="Extend/Inheritance" id="{806F578E-4104-4705-94C6-8F9D8A2FD4B1}">
           <p14:sldIdLst>
             <p14:sldId id="937"/>
-          </p14:sldIdLst>
-        </p14:section>
-        <p14:section name="Best Practices" id="{05F31A5D-6BA0-4924-B9FA-0C92DCF312B3}">
-          <p14:sldIdLst>
-            <p14:sldId id="938"/>
           </p14:sldIdLst>
         </p14:section>
         <p14:section name="END" id="{680F39C5-1F40-924B-A5D2-D6C34505C15D}">
@@ -396,7 +376,7 @@
               <a:rPr lang="en-US" smtClean="0">
                 <a:latin typeface="Corbel" panose="020B0503020204020204" pitchFamily="34" charset="0"/>
               </a:rPr>
-              <a:t>6/5/2019</a:t>
+              <a:t>6/10/2019</a:t>
             </a:fld>
             <a:endParaRPr lang="en-US" dirty="0">
               <a:latin typeface="Corbel" panose="020B0503020204020204" pitchFamily="34" charset="0"/>
@@ -502,7 +482,7 @@
             <a:fld id="{99A1A89B-1BF1-0B47-A39C-6E858E8A8CC3}" type="datetimeFigureOut">
               <a:rPr lang="sv-SE" smtClean="0"/>
               <a:pPr/>
-              <a:t>2019-06-05</a:t>
+              <a:t>2019-06-10</a:t>
             </a:fld>
             <a:endParaRPr lang="sv-SE" dirty="0"/>
           </a:p>
@@ -19923,256 +19903,6 @@
       </p:grpSpPr>
       <p:sp>
         <p:nvSpPr>
-          <p:cNvPr id="4" name="Text Placeholder 3">
-            <a:extLst>
-              <a:ext uri="{FF2B5EF4-FFF2-40B4-BE49-F238E27FC236}">
-                <a16:creationId xmlns:a16="http://schemas.microsoft.com/office/drawing/2014/main" id="{91E9247A-66F9-4926-A418-CFDD2F7B461A}"/>
-              </a:ext>
-            </a:extLst>
-          </p:cNvPr>
-          <p:cNvSpPr>
-            <a:spLocks noGrp="1"/>
-          </p:cNvSpPr>
-          <p:nvPr>
-            <p:ph type="body" sz="quarter" idx="11"/>
-          </p:nvPr>
-        </p:nvSpPr>
-        <p:spPr/>
-        <p:txBody>
-          <a:bodyPr/>
-          <a:lstStyle/>
-          <a:p>
-            <a:r>
-              <a:rPr lang="en-US" dirty="0" err="1"/>
-              <a:t>Mixins</a:t>
-            </a:r>
-            <a:endParaRPr lang="en-US" dirty="0"/>
-          </a:p>
-        </p:txBody>
-      </p:sp>
-      <p:sp>
-        <p:nvSpPr>
-          <p:cNvPr id="5" name="Text Placeholder 4">
-            <a:extLst>
-              <a:ext uri="{FF2B5EF4-FFF2-40B4-BE49-F238E27FC236}">
-                <a16:creationId xmlns:a16="http://schemas.microsoft.com/office/drawing/2014/main" id="{B2851CF9-27CE-4E1B-BA7F-B9CD6E60E84E}"/>
-              </a:ext>
-            </a:extLst>
-          </p:cNvPr>
-          <p:cNvSpPr>
-            <a:spLocks noGrp="1"/>
-          </p:cNvSpPr>
-          <p:nvPr>
-            <p:ph type="body" sz="quarter" idx="12"/>
-          </p:nvPr>
-        </p:nvSpPr>
-        <p:spPr/>
-        <p:txBody>
-          <a:bodyPr/>
-          <a:lstStyle/>
-          <a:p>
-            <a:endParaRPr lang="en-US"/>
-          </a:p>
-        </p:txBody>
-      </p:sp>
-    </p:spTree>
-    <p:extLst>
-      <p:ext uri="{BB962C8B-B14F-4D97-AF65-F5344CB8AC3E}">
-        <p14:creationId xmlns:p14="http://schemas.microsoft.com/office/powerpoint/2010/main" val="2009415653"/>
-      </p:ext>
-    </p:extLst>
-  </p:cSld>
-  <p:clrMapOvr>
-    <a:masterClrMapping/>
-  </p:clrMapOvr>
-</p:sld>
-</file>
-
-<file path=ppt/slides/slide11.xml><?xml version="1.0" encoding="utf-8"?>
-<p:sld xmlns:a="http://schemas.openxmlformats.org/drawingml/2006/main" xmlns:r="http://schemas.openxmlformats.org/officeDocument/2006/relationships" xmlns:p="http://schemas.openxmlformats.org/presentationml/2006/main">
-  <p:cSld>
-    <p:spTree>
-      <p:nvGrpSpPr>
-        <p:cNvPr id="1" name=""/>
-        <p:cNvGrpSpPr/>
-        <p:nvPr/>
-      </p:nvGrpSpPr>
-      <p:grpSpPr>
-        <a:xfrm>
-          <a:off x="0" y="0"/>
-          <a:ext cx="0" cy="0"/>
-          <a:chOff x="0" y="0"/>
-          <a:chExt cx="0" cy="0"/>
-        </a:xfrm>
-      </p:grpSpPr>
-      <p:sp>
-        <p:nvSpPr>
-          <p:cNvPr id="4" name="Text Placeholder 3">
-            <a:extLst>
-              <a:ext uri="{FF2B5EF4-FFF2-40B4-BE49-F238E27FC236}">
-                <a16:creationId xmlns:a16="http://schemas.microsoft.com/office/drawing/2014/main" id="{81ACA07D-0759-4AFF-BDC0-5FB1F46B5041}"/>
-              </a:ext>
-            </a:extLst>
-          </p:cNvPr>
-          <p:cNvSpPr>
-            <a:spLocks noGrp="1"/>
-          </p:cNvSpPr>
-          <p:nvPr>
-            <p:ph type="body" sz="quarter" idx="11"/>
-          </p:nvPr>
-        </p:nvSpPr>
-        <p:spPr/>
-        <p:txBody>
-          <a:bodyPr/>
-          <a:lstStyle/>
-          <a:p>
-            <a:r>
-              <a:rPr lang="en-US" dirty="0"/>
-              <a:t>Partials</a:t>
-            </a:r>
-          </a:p>
-        </p:txBody>
-      </p:sp>
-      <p:sp>
-        <p:nvSpPr>
-          <p:cNvPr id="5" name="Text Placeholder 4">
-            <a:extLst>
-              <a:ext uri="{FF2B5EF4-FFF2-40B4-BE49-F238E27FC236}">
-                <a16:creationId xmlns:a16="http://schemas.microsoft.com/office/drawing/2014/main" id="{60C14038-B45C-4DE1-80D3-9115F152406B}"/>
-              </a:ext>
-            </a:extLst>
-          </p:cNvPr>
-          <p:cNvSpPr>
-            <a:spLocks noGrp="1"/>
-          </p:cNvSpPr>
-          <p:nvPr>
-            <p:ph type="body" sz="quarter" idx="12"/>
-          </p:nvPr>
-        </p:nvSpPr>
-        <p:spPr/>
-        <p:txBody>
-          <a:bodyPr/>
-          <a:lstStyle/>
-          <a:p>
-            <a:endParaRPr lang="en-US"/>
-          </a:p>
-        </p:txBody>
-      </p:sp>
-    </p:spTree>
-    <p:extLst>
-      <p:ext uri="{BB962C8B-B14F-4D97-AF65-F5344CB8AC3E}">
-        <p14:creationId xmlns:p14="http://schemas.microsoft.com/office/powerpoint/2010/main" val="3659295445"/>
-      </p:ext>
-    </p:extLst>
-  </p:cSld>
-  <p:clrMapOvr>
-    <a:masterClrMapping/>
-  </p:clrMapOvr>
-</p:sld>
-</file>
-
-<file path=ppt/slides/slide12.xml><?xml version="1.0" encoding="utf-8"?>
-<p:sld xmlns:a="http://schemas.openxmlformats.org/drawingml/2006/main" xmlns:r="http://schemas.openxmlformats.org/officeDocument/2006/relationships" xmlns:p="http://schemas.openxmlformats.org/presentationml/2006/main">
-  <p:cSld>
-    <p:spTree>
-      <p:nvGrpSpPr>
-        <p:cNvPr id="1" name=""/>
-        <p:cNvGrpSpPr/>
-        <p:nvPr/>
-      </p:nvGrpSpPr>
-      <p:grpSpPr>
-        <a:xfrm>
-          <a:off x="0" y="0"/>
-          <a:ext cx="0" cy="0"/>
-          <a:chOff x="0" y="0"/>
-          <a:chExt cx="0" cy="0"/>
-        </a:xfrm>
-      </p:grpSpPr>
-      <p:sp>
-        <p:nvSpPr>
-          <p:cNvPr id="4" name="Text Placeholder 3">
-            <a:extLst>
-              <a:ext uri="{FF2B5EF4-FFF2-40B4-BE49-F238E27FC236}">
-                <a16:creationId xmlns:a16="http://schemas.microsoft.com/office/drawing/2014/main" id="{394420A5-0E12-4C0F-834B-C637DA46212E}"/>
-              </a:ext>
-            </a:extLst>
-          </p:cNvPr>
-          <p:cNvSpPr>
-            <a:spLocks noGrp="1"/>
-          </p:cNvSpPr>
-          <p:nvPr>
-            <p:ph type="body" sz="quarter" idx="11"/>
-          </p:nvPr>
-        </p:nvSpPr>
-        <p:spPr/>
-        <p:txBody>
-          <a:bodyPr/>
-          <a:lstStyle/>
-          <a:p>
-            <a:r>
-              <a:rPr lang="en-US" dirty="0"/>
-              <a:t>Conditionals &amp; Loops</a:t>
-            </a:r>
-          </a:p>
-        </p:txBody>
-      </p:sp>
-      <p:sp>
-        <p:nvSpPr>
-          <p:cNvPr id="5" name="Text Placeholder 4">
-            <a:extLst>
-              <a:ext uri="{FF2B5EF4-FFF2-40B4-BE49-F238E27FC236}">
-                <a16:creationId xmlns:a16="http://schemas.microsoft.com/office/drawing/2014/main" id="{368AAC6F-F7F9-4296-A0F2-3D240B651E15}"/>
-              </a:ext>
-            </a:extLst>
-          </p:cNvPr>
-          <p:cNvSpPr>
-            <a:spLocks noGrp="1"/>
-          </p:cNvSpPr>
-          <p:nvPr>
-            <p:ph type="body" sz="quarter" idx="12"/>
-          </p:nvPr>
-        </p:nvSpPr>
-        <p:spPr/>
-        <p:txBody>
-          <a:bodyPr/>
-          <a:lstStyle/>
-          <a:p>
-            <a:endParaRPr lang="en-US"/>
-          </a:p>
-        </p:txBody>
-      </p:sp>
-    </p:spTree>
-    <p:extLst>
-      <p:ext uri="{BB962C8B-B14F-4D97-AF65-F5344CB8AC3E}">
-        <p14:creationId xmlns:p14="http://schemas.microsoft.com/office/powerpoint/2010/main" val="91583965"/>
-      </p:ext>
-    </p:extLst>
-  </p:cSld>
-  <p:clrMapOvr>
-    <a:masterClrMapping/>
-  </p:clrMapOvr>
-</p:sld>
-</file>
-
-<file path=ppt/slides/slide13.xml><?xml version="1.0" encoding="utf-8"?>
-<p:sld xmlns:a="http://schemas.openxmlformats.org/drawingml/2006/main" xmlns:r="http://schemas.openxmlformats.org/officeDocument/2006/relationships" xmlns:p="http://schemas.openxmlformats.org/presentationml/2006/main">
-  <p:cSld>
-    <p:spTree>
-      <p:nvGrpSpPr>
-        <p:cNvPr id="1" name=""/>
-        <p:cNvGrpSpPr/>
-        <p:nvPr/>
-      </p:nvGrpSpPr>
-      <p:grpSpPr>
-        <a:xfrm>
-          <a:off x="0" y="0"/>
-          <a:ext cx="0" cy="0"/>
-          <a:chOff x="0" y="0"/>
-          <a:chExt cx="0" cy="0"/>
-        </a:xfrm>
-      </p:grpSpPr>
-      <p:sp>
-        <p:nvSpPr>
           <p:cNvPr id="6" name="Text Placeholder 5">
             <a:extLst>
               <a:ext uri="{FF2B5EF4-FFF2-40B4-BE49-F238E27FC236}">
@@ -20237,90 +19967,7 @@
 </p:sld>
 </file>
 
-<file path=ppt/slides/slide14.xml><?xml version="1.0" encoding="utf-8"?>
-<p:sld xmlns:a="http://schemas.openxmlformats.org/drawingml/2006/main" xmlns:r="http://schemas.openxmlformats.org/officeDocument/2006/relationships" xmlns:p="http://schemas.openxmlformats.org/presentationml/2006/main">
-  <p:cSld>
-    <p:spTree>
-      <p:nvGrpSpPr>
-        <p:cNvPr id="1" name=""/>
-        <p:cNvGrpSpPr/>
-        <p:nvPr/>
-      </p:nvGrpSpPr>
-      <p:grpSpPr>
-        <a:xfrm>
-          <a:off x="0" y="0"/>
-          <a:ext cx="0" cy="0"/>
-          <a:chOff x="0" y="0"/>
-          <a:chExt cx="0" cy="0"/>
-        </a:xfrm>
-      </p:grpSpPr>
-      <p:sp>
-        <p:nvSpPr>
-          <p:cNvPr id="4" name="Text Placeholder 3">
-            <a:extLst>
-              <a:ext uri="{FF2B5EF4-FFF2-40B4-BE49-F238E27FC236}">
-                <a16:creationId xmlns:a16="http://schemas.microsoft.com/office/drawing/2014/main" id="{91E9247A-66F9-4926-A418-CFDD2F7B461A}"/>
-              </a:ext>
-            </a:extLst>
-          </p:cNvPr>
-          <p:cNvSpPr>
-            <a:spLocks noGrp="1"/>
-          </p:cNvSpPr>
-          <p:nvPr>
-            <p:ph type="body" sz="quarter" idx="11"/>
-          </p:nvPr>
-        </p:nvSpPr>
-        <p:spPr/>
-        <p:txBody>
-          <a:bodyPr/>
-          <a:lstStyle/>
-          <a:p>
-            <a:r>
-              <a:rPr lang="en-US" dirty="0"/>
-              <a:t>Best Practices</a:t>
-            </a:r>
-          </a:p>
-        </p:txBody>
-      </p:sp>
-      <p:sp>
-        <p:nvSpPr>
-          <p:cNvPr id="5" name="Text Placeholder 4">
-            <a:extLst>
-              <a:ext uri="{FF2B5EF4-FFF2-40B4-BE49-F238E27FC236}">
-                <a16:creationId xmlns:a16="http://schemas.microsoft.com/office/drawing/2014/main" id="{B2851CF9-27CE-4E1B-BA7F-B9CD6E60E84E}"/>
-              </a:ext>
-            </a:extLst>
-          </p:cNvPr>
-          <p:cNvSpPr>
-            <a:spLocks noGrp="1"/>
-          </p:cNvSpPr>
-          <p:nvPr>
-            <p:ph type="body" sz="quarter" idx="12"/>
-          </p:nvPr>
-        </p:nvSpPr>
-        <p:spPr/>
-        <p:txBody>
-          <a:bodyPr/>
-          <a:lstStyle/>
-          <a:p>
-            <a:endParaRPr lang="en-US"/>
-          </a:p>
-        </p:txBody>
-      </p:sp>
-    </p:spTree>
-    <p:extLst>
-      <p:ext uri="{BB962C8B-B14F-4D97-AF65-F5344CB8AC3E}">
-        <p14:creationId xmlns:p14="http://schemas.microsoft.com/office/powerpoint/2010/main" val="3288634129"/>
-      </p:ext>
-    </p:extLst>
-  </p:cSld>
-  <p:clrMapOvr>
-    <a:masterClrMapping/>
-  </p:clrMapOvr>
-</p:sld>
-</file>
-
-<file path=ppt/slides/slide15.xml><?xml version="1.0" encoding="utf-8"?>
+<file path=ppt/slides/slide11.xml><?xml version="1.0" encoding="utf-8"?>
 <p:sld xmlns:a="http://schemas.openxmlformats.org/drawingml/2006/main" xmlns:r="http://schemas.openxmlformats.org/officeDocument/2006/relationships" xmlns:p="http://schemas.openxmlformats.org/presentationml/2006/main">
   <p:cSld>
     <p:spTree>
@@ -20925,7 +20572,7 @@
           <p:cNvPr id="4" name="Text Placeholder 3">
             <a:extLst>
               <a:ext uri="{FF2B5EF4-FFF2-40B4-BE49-F238E27FC236}">
-                <a16:creationId xmlns:a16="http://schemas.microsoft.com/office/drawing/2014/main" id="{91E9247A-66F9-4926-A418-CFDD2F7B461A}"/>
+                <a16:creationId xmlns:a16="http://schemas.microsoft.com/office/drawing/2014/main" id="{81ACA07D-0759-4AFF-BDC0-5FB1F46B5041}"/>
               </a:ext>
             </a:extLst>
           </p:cNvPr>
@@ -20943,7 +20590,7 @@
           <a:p>
             <a:r>
               <a:rPr lang="en-US" dirty="0"/>
-              <a:t>Preprocessing</a:t>
+              <a:t>Nesting</a:t>
             </a:r>
           </a:p>
         </p:txBody>
@@ -20953,7 +20600,7 @@
           <p:cNvPr id="5" name="Text Placeholder 4">
             <a:extLst>
               <a:ext uri="{FF2B5EF4-FFF2-40B4-BE49-F238E27FC236}">
-                <a16:creationId xmlns:a16="http://schemas.microsoft.com/office/drawing/2014/main" id="{B2851CF9-27CE-4E1B-BA7F-B9CD6E60E84E}"/>
+                <a16:creationId xmlns:a16="http://schemas.microsoft.com/office/drawing/2014/main" id="{60C14038-B45C-4DE1-80D3-9115F152406B}"/>
               </a:ext>
             </a:extLst>
           </p:cNvPr>
@@ -20969,14 +20616,14 @@
           <a:bodyPr/>
           <a:lstStyle/>
           <a:p>
-            <a:endParaRPr lang="en-US" dirty="0"/>
+            <a:endParaRPr lang="en-US"/>
           </a:p>
         </p:txBody>
       </p:sp>
     </p:spTree>
     <p:extLst>
       <p:ext uri="{BB962C8B-B14F-4D97-AF65-F5344CB8AC3E}">
-        <p14:creationId xmlns:p14="http://schemas.microsoft.com/office/powerpoint/2010/main" val="51147665"/>
+        <p14:creationId xmlns:p14="http://schemas.microsoft.com/office/powerpoint/2010/main" val="2092495300"/>
       </p:ext>
     </p:extLst>
   </p:cSld>
@@ -21005,10 +20652,10 @@
       </p:grpSpPr>
       <p:sp>
         <p:nvSpPr>
-          <p:cNvPr id="5" name="Title 4">
-            <a:extLst>
-              <a:ext uri="{FF2B5EF4-FFF2-40B4-BE49-F238E27FC236}">
-                <a16:creationId xmlns:a16="http://schemas.microsoft.com/office/drawing/2014/main" id="{B9097C01-F414-47F2-94C5-A45D534A93B8}"/>
+          <p:cNvPr id="4" name="Text Placeholder 3">
+            <a:extLst>
+              <a:ext uri="{FF2B5EF4-FFF2-40B4-BE49-F238E27FC236}">
+                <a16:creationId xmlns:a16="http://schemas.microsoft.com/office/drawing/2014/main" id="{394420A5-0E12-4C0F-834B-C637DA46212E}"/>
               </a:ext>
             </a:extLst>
           </p:cNvPr>
@@ -21016,7 +20663,7 @@
             <a:spLocks noGrp="1"/>
           </p:cNvSpPr>
           <p:nvPr>
-            <p:ph type="title"/>
+            <p:ph type="body" sz="quarter" idx="11"/>
           </p:nvPr>
         </p:nvSpPr>
         <p:spPr/>
@@ -21025,18 +20672,18 @@
           <a:lstStyle/>
           <a:p>
             <a:r>
-              <a:rPr lang="en-GB" dirty="0"/>
-              <a:t>How do I use it?</a:t>
-            </a:r>
-          </a:p>
-        </p:txBody>
-      </p:sp>
-      <p:sp>
-        <p:nvSpPr>
-          <p:cNvPr id="8" name="Content Placeholder 7">
-            <a:extLst>
-              <a:ext uri="{FF2B5EF4-FFF2-40B4-BE49-F238E27FC236}">
-                <a16:creationId xmlns:a16="http://schemas.microsoft.com/office/drawing/2014/main" id="{35B34F88-B88C-4133-A62A-B4022A689BE0}"/>
+              <a:rPr lang="en-US" dirty="0"/>
+              <a:t>Variables</a:t>
+            </a:r>
+          </a:p>
+        </p:txBody>
+      </p:sp>
+      <p:sp>
+        <p:nvSpPr>
+          <p:cNvPr id="5" name="Text Placeholder 4">
+            <a:extLst>
+              <a:ext uri="{FF2B5EF4-FFF2-40B4-BE49-F238E27FC236}">
+                <a16:creationId xmlns:a16="http://schemas.microsoft.com/office/drawing/2014/main" id="{368AAC6F-F7F9-4296-A0F2-3D240B651E15}"/>
               </a:ext>
             </a:extLst>
           </p:cNvPr>
@@ -21044,7 +20691,7 @@
             <a:spLocks noGrp="1"/>
           </p:cNvSpPr>
           <p:nvPr>
-            <p:ph idx="1"/>
+            <p:ph type="body" sz="quarter" idx="12"/>
           </p:nvPr>
         </p:nvSpPr>
         <p:spPr/>
@@ -21052,96 +20699,14 @@
           <a:bodyPr/>
           <a:lstStyle/>
           <a:p>
-            <a:r>
-              <a:rPr lang="en-GB" dirty="0"/>
-              <a:t>Sass is the most mature, stable, and powerful professional grade </a:t>
-            </a:r>
-            <a:r>
-              <a:rPr lang="en-GB" cap="all" dirty="0"/>
-              <a:t>CSS</a:t>
-            </a:r>
-            <a:r>
-              <a:rPr lang="en-GB" dirty="0"/>
-              <a:t> extension language in the world.</a:t>
-            </a:r>
-          </a:p>
-          <a:p>
-            <a:endParaRPr lang="en-GB" dirty="0"/>
-          </a:p>
-          <a:p>
-            <a:pPr marL="285750" indent="-285750">
-              <a:buFont typeface="Arial" panose="020B0604020202020204" pitchFamily="34" charset="0"/>
-              <a:buChar char="•"/>
-            </a:pPr>
-            <a:r>
-              <a:rPr lang="en-GB" dirty="0"/>
-              <a:t>CSS Compatible</a:t>
-            </a:r>
-          </a:p>
-          <a:p>
-            <a:pPr marL="971550" lvl="1" indent="-285750"/>
-            <a:r>
-              <a:rPr lang="en-GB" dirty="0"/>
-              <a:t>Sass is completely compatible with all versions of CSS, allowing you to seamlessly use any available CSS libraries.</a:t>
-            </a:r>
-          </a:p>
-          <a:p>
-            <a:pPr marL="285750" indent="-285750">
-              <a:buFont typeface="Arial" panose="020B0604020202020204" pitchFamily="34" charset="0"/>
-              <a:buChar char="•"/>
-            </a:pPr>
-            <a:r>
-              <a:rPr lang="en-GB" dirty="0"/>
-              <a:t>Feature Rich</a:t>
-            </a:r>
-          </a:p>
-          <a:p>
-            <a:pPr marL="971550" lvl="1" indent="-285750"/>
-            <a:r>
-              <a:rPr lang="en-GB" dirty="0"/>
-              <a:t>Sass boasts more features and abilities than any other CSS extension language out there.</a:t>
-            </a:r>
-          </a:p>
-          <a:p>
-            <a:pPr marL="285750" indent="-285750">
-              <a:buFont typeface="Arial" panose="020B0604020202020204" pitchFamily="34" charset="0"/>
-              <a:buChar char="•"/>
-            </a:pPr>
-            <a:r>
-              <a:rPr lang="en-GB" dirty="0"/>
-              <a:t>Mature</a:t>
-            </a:r>
-          </a:p>
-          <a:p>
-            <a:pPr marL="971550" lvl="1" indent="-285750"/>
-            <a:r>
-              <a:rPr lang="en-GB" dirty="0"/>
-              <a:t>Sass has been actively supported for over 12 years!</a:t>
-            </a:r>
-          </a:p>
-          <a:p>
-            <a:pPr marL="285750" indent="-285750">
-              <a:buFont typeface="Arial" panose="020B0604020202020204" pitchFamily="34" charset="0"/>
-              <a:buChar char="•"/>
-            </a:pPr>
-            <a:r>
-              <a:rPr lang="en-GB" dirty="0"/>
-              <a:t>Industry Approved</a:t>
-            </a:r>
-          </a:p>
-          <a:p>
-            <a:pPr marL="971550" lvl="1" indent="-285750"/>
-            <a:r>
-              <a:rPr lang="en-GB" dirty="0"/>
-              <a:t>Sass has steadily become an industry standard with many job specs listing Sass as either a desirable skill or requirement of the role.</a:t>
-            </a:r>
+            <a:endParaRPr lang="en-US"/>
           </a:p>
         </p:txBody>
       </p:sp>
     </p:spTree>
     <p:extLst>
       <p:ext uri="{BB962C8B-B14F-4D97-AF65-F5344CB8AC3E}">
-        <p14:creationId xmlns:p14="http://schemas.microsoft.com/office/powerpoint/2010/main" val="2882471232"/>
+        <p14:creationId xmlns:p14="http://schemas.microsoft.com/office/powerpoint/2010/main" val="1927471422"/>
       </p:ext>
     </p:extLst>
   </p:cSld>
@@ -21170,10 +20735,10 @@
       </p:grpSpPr>
       <p:sp>
         <p:nvSpPr>
-          <p:cNvPr id="4" name="Text Placeholder 3">
-            <a:extLst>
-              <a:ext uri="{FF2B5EF4-FFF2-40B4-BE49-F238E27FC236}">
-                <a16:creationId xmlns:a16="http://schemas.microsoft.com/office/drawing/2014/main" id="{81ACA07D-0759-4AFF-BDC0-5FB1F46B5041}"/>
+          <p:cNvPr id="6" name="Text Placeholder 5">
+            <a:extLst>
+              <a:ext uri="{FF2B5EF4-FFF2-40B4-BE49-F238E27FC236}">
+                <a16:creationId xmlns:a16="http://schemas.microsoft.com/office/drawing/2014/main" id="{03B2A513-0286-4E02-B96B-F80481953ECA}"/>
               </a:ext>
             </a:extLst>
           </p:cNvPr>
@@ -21191,17 +20756,17 @@
           <a:p>
             <a:r>
               <a:rPr lang="en-US" dirty="0"/>
-              <a:t>Nesting</a:t>
-            </a:r>
-          </a:p>
-        </p:txBody>
-      </p:sp>
-      <p:sp>
-        <p:nvSpPr>
-          <p:cNvPr id="5" name="Text Placeholder 4">
-            <a:extLst>
-              <a:ext uri="{FF2B5EF4-FFF2-40B4-BE49-F238E27FC236}">
-                <a16:creationId xmlns:a16="http://schemas.microsoft.com/office/drawing/2014/main" id="{60C14038-B45C-4DE1-80D3-9115F152406B}"/>
+              <a:t>Operators</a:t>
+            </a:r>
+          </a:p>
+        </p:txBody>
+      </p:sp>
+      <p:sp>
+        <p:nvSpPr>
+          <p:cNvPr id="7" name="Text Placeholder 6">
+            <a:extLst>
+              <a:ext uri="{FF2B5EF4-FFF2-40B4-BE49-F238E27FC236}">
+                <a16:creationId xmlns:a16="http://schemas.microsoft.com/office/drawing/2014/main" id="{B710344F-0496-482F-BE61-E6224E004EBE}"/>
               </a:ext>
             </a:extLst>
           </p:cNvPr>
@@ -21217,14 +20782,14 @@
           <a:bodyPr/>
           <a:lstStyle/>
           <a:p>
-            <a:endParaRPr lang="en-US"/>
+            <a:endParaRPr lang="en-US" dirty="0"/>
           </a:p>
         </p:txBody>
       </p:sp>
     </p:spTree>
     <p:extLst>
       <p:ext uri="{BB962C8B-B14F-4D97-AF65-F5344CB8AC3E}">
-        <p14:creationId xmlns:p14="http://schemas.microsoft.com/office/powerpoint/2010/main" val="2092495300"/>
+        <p14:creationId xmlns:p14="http://schemas.microsoft.com/office/powerpoint/2010/main" val="351628028"/>
       </p:ext>
     </p:extLst>
   </p:cSld>
@@ -21256,7 +20821,7 @@
           <p:cNvPr id="4" name="Text Placeholder 3">
             <a:extLst>
               <a:ext uri="{FF2B5EF4-FFF2-40B4-BE49-F238E27FC236}">
-                <a16:creationId xmlns:a16="http://schemas.microsoft.com/office/drawing/2014/main" id="{394420A5-0E12-4C0F-834B-C637DA46212E}"/>
+                <a16:creationId xmlns:a16="http://schemas.microsoft.com/office/drawing/2014/main" id="{91E9247A-66F9-4926-A418-CFDD2F7B461A}"/>
               </a:ext>
             </a:extLst>
           </p:cNvPr>
@@ -21273,9 +20838,10 @@
           <a:lstStyle/>
           <a:p>
             <a:r>
-              <a:rPr lang="en-US" dirty="0"/>
-              <a:t>Variables</a:t>
-            </a:r>
+              <a:rPr lang="en-US" dirty="0" err="1"/>
+              <a:t>Mixins</a:t>
+            </a:r>
+            <a:endParaRPr lang="en-US" dirty="0"/>
           </a:p>
         </p:txBody>
       </p:sp>
@@ -21284,7 +20850,7 @@
           <p:cNvPr id="5" name="Text Placeholder 4">
             <a:extLst>
               <a:ext uri="{FF2B5EF4-FFF2-40B4-BE49-F238E27FC236}">
-                <a16:creationId xmlns:a16="http://schemas.microsoft.com/office/drawing/2014/main" id="{368AAC6F-F7F9-4296-A0F2-3D240B651E15}"/>
+                <a16:creationId xmlns:a16="http://schemas.microsoft.com/office/drawing/2014/main" id="{B2851CF9-27CE-4E1B-BA7F-B9CD6E60E84E}"/>
               </a:ext>
             </a:extLst>
           </p:cNvPr>
@@ -21307,7 +20873,7 @@
     </p:spTree>
     <p:extLst>
       <p:ext uri="{BB962C8B-B14F-4D97-AF65-F5344CB8AC3E}">
-        <p14:creationId xmlns:p14="http://schemas.microsoft.com/office/powerpoint/2010/main" val="1927471422"/>
+        <p14:creationId xmlns:p14="http://schemas.microsoft.com/office/powerpoint/2010/main" val="2009415653"/>
       </p:ext>
     </p:extLst>
   </p:cSld>
@@ -21336,10 +20902,10 @@
       </p:grpSpPr>
       <p:sp>
         <p:nvSpPr>
-          <p:cNvPr id="6" name="Text Placeholder 5">
-            <a:extLst>
-              <a:ext uri="{FF2B5EF4-FFF2-40B4-BE49-F238E27FC236}">
-                <a16:creationId xmlns:a16="http://schemas.microsoft.com/office/drawing/2014/main" id="{03B2A513-0286-4E02-B96B-F80481953ECA}"/>
+          <p:cNvPr id="4" name="Text Placeholder 3">
+            <a:extLst>
+              <a:ext uri="{FF2B5EF4-FFF2-40B4-BE49-F238E27FC236}">
+                <a16:creationId xmlns:a16="http://schemas.microsoft.com/office/drawing/2014/main" id="{394420A5-0E12-4C0F-834B-C637DA46212E}"/>
               </a:ext>
             </a:extLst>
           </p:cNvPr>
@@ -21357,17 +20923,17 @@
           <a:p>
             <a:r>
               <a:rPr lang="en-US" dirty="0"/>
-              <a:t>Operators</a:t>
-            </a:r>
-          </a:p>
-        </p:txBody>
-      </p:sp>
-      <p:sp>
-        <p:nvSpPr>
-          <p:cNvPr id="7" name="Text Placeholder 6">
-            <a:extLst>
-              <a:ext uri="{FF2B5EF4-FFF2-40B4-BE49-F238E27FC236}">
-                <a16:creationId xmlns:a16="http://schemas.microsoft.com/office/drawing/2014/main" id="{B710344F-0496-482F-BE61-E6224E004EBE}"/>
+              <a:t>Conditionals &amp; Loops</a:t>
+            </a:r>
+          </a:p>
+        </p:txBody>
+      </p:sp>
+      <p:sp>
+        <p:nvSpPr>
+          <p:cNvPr id="5" name="Text Placeholder 4">
+            <a:extLst>
+              <a:ext uri="{FF2B5EF4-FFF2-40B4-BE49-F238E27FC236}">
+                <a16:creationId xmlns:a16="http://schemas.microsoft.com/office/drawing/2014/main" id="{368AAC6F-F7F9-4296-A0F2-3D240B651E15}"/>
               </a:ext>
             </a:extLst>
           </p:cNvPr>
@@ -21383,14 +20949,14 @@
           <a:bodyPr/>
           <a:lstStyle/>
           <a:p>
-            <a:endParaRPr lang="en-US" dirty="0"/>
+            <a:endParaRPr lang="en-US"/>
           </a:p>
         </p:txBody>
       </p:sp>
     </p:spTree>
     <p:extLst>
       <p:ext uri="{BB962C8B-B14F-4D97-AF65-F5344CB8AC3E}">
-        <p14:creationId xmlns:p14="http://schemas.microsoft.com/office/powerpoint/2010/main" val="351628028"/>
+        <p14:creationId xmlns:p14="http://schemas.microsoft.com/office/powerpoint/2010/main" val="91583965"/>
       </p:ext>
     </p:extLst>
   </p:cSld>
@@ -22286,6 +21852,12 @@
 </file>
 
 <file path=customXml/item1.xml><?xml version="1.0" encoding="utf-8"?>
+<p:properties xmlns:p="http://schemas.microsoft.com/office/2006/metadata/properties" xmlns:xsi="http://www.w3.org/2001/XMLSchema-instance" xmlns:pc="http://schemas.microsoft.com/office/infopath/2007/PartnerControls">
+  <documentManagement/>
+</p:properties>
+</file>
+
+<file path=customXml/item2.xml><?xml version="1.0" encoding="utf-8"?>
 <ct:contentTypeSchema xmlns:ct="http://schemas.microsoft.com/office/2006/metadata/contentType" xmlns:ma="http://schemas.microsoft.com/office/2006/metadata/properties/metaAttributes" ct:_="" ma:_="" ma:contentTypeName="Document" ma:contentTypeID="0x010100F75BC726EE38154FA0168BFECF324C2B" ma:contentTypeVersion="4" ma:contentTypeDescription="Create a new document." ma:contentTypeScope="" ma:versionID="938ddb3ea45bef987e7f25ee101b1b9b">
   <xsd:schema xmlns:xsd="http://www.w3.org/2001/XMLSchema" xmlns:xs="http://www.w3.org/2001/XMLSchema" xmlns:p="http://schemas.microsoft.com/office/2006/metadata/properties" xmlns:ns2="c85a426e-512c-403f-b162-acc8a32aa24c" xmlns:ns3="d3ebbe60-3df8-412c-bb94-9d27aafd3002" targetNamespace="http://schemas.microsoft.com/office/2006/metadata/properties" ma:root="true" ma:fieldsID="8a3c29302bf184fe50b9b94e18e04037" ns2:_="" ns3:_="">
     <xsd:import namespace="c85a426e-512c-403f-b162-acc8a32aa24c"/>
@@ -22450,12 +22022,6 @@
 </ct:contentTypeSchema>
 </file>
 
-<file path=customXml/item2.xml><?xml version="1.0" encoding="utf-8"?>
-<p:properties xmlns:p="http://schemas.microsoft.com/office/2006/metadata/properties" xmlns:xsi="http://www.w3.org/2001/XMLSchema-instance" xmlns:pc="http://schemas.microsoft.com/office/infopath/2007/PartnerControls">
-  <documentManagement/>
-</p:properties>
-</file>
-
 <file path=customXml/item3.xml><?xml version="1.0" encoding="utf-8"?>
 <?mso-contentType ?>
 <FormTemplates xmlns="http://schemas.microsoft.com/sharepoint/v3/contenttype/forms">
@@ -22466,6 +22032,23 @@
 </file>
 
 <file path=customXml/itemProps1.xml><?xml version="1.0" encoding="utf-8"?>
+<ds:datastoreItem xmlns:ds="http://schemas.openxmlformats.org/officeDocument/2006/customXml" ds:itemID="{A10276D4-0FA0-449A-8A1C-AB48847BE4BE}">
+  <ds:schemaRefs>
+    <ds:schemaRef ds:uri="d3ebbe60-3df8-412c-bb94-9d27aafd3002"/>
+    <ds:schemaRef ds:uri="http://purl.org/dc/elements/1.1/"/>
+    <ds:schemaRef ds:uri="http://schemas.openxmlformats.org/package/2006/metadata/core-properties"/>
+    <ds:schemaRef ds:uri="c85a426e-512c-403f-b162-acc8a32aa24c"/>
+    <ds:schemaRef ds:uri="http://purl.org/dc/terms/"/>
+    <ds:schemaRef ds:uri="http://schemas.microsoft.com/office/2006/documentManagement/types"/>
+    <ds:schemaRef ds:uri="http://purl.org/dc/dcmitype/"/>
+    <ds:schemaRef ds:uri="http://schemas.microsoft.com/office/2006/metadata/properties"/>
+    <ds:schemaRef ds:uri="http://schemas.microsoft.com/office/infopath/2007/PartnerControls"/>
+    <ds:schemaRef ds:uri="http://www.w3.org/XML/1998/namespace"/>
+  </ds:schemaRefs>
+</ds:datastoreItem>
+</file>
+
+<file path=customXml/itemProps2.xml><?xml version="1.0" encoding="utf-8"?>
 <ds:datastoreItem xmlns:ds="http://schemas.openxmlformats.org/officeDocument/2006/customXml" ds:itemID="{5626B977-2211-4C15-8F1A-80E2FF8368DE}">
   <ds:schemaRefs>
     <ds:schemaRef ds:uri="http://schemas.microsoft.com/office/2006/metadata/contentType"/>
@@ -22484,23 +22067,6 @@
 </ds:datastoreItem>
 </file>
 
-<file path=customXml/itemProps2.xml><?xml version="1.0" encoding="utf-8"?>
-<ds:datastoreItem xmlns:ds="http://schemas.openxmlformats.org/officeDocument/2006/customXml" ds:itemID="{A10276D4-0FA0-449A-8A1C-AB48847BE4BE}">
-  <ds:schemaRefs>
-    <ds:schemaRef ds:uri="d3ebbe60-3df8-412c-bb94-9d27aafd3002"/>
-    <ds:schemaRef ds:uri="http://purl.org/dc/elements/1.1/"/>
-    <ds:schemaRef ds:uri="http://schemas.openxmlformats.org/package/2006/metadata/core-properties"/>
-    <ds:schemaRef ds:uri="c85a426e-512c-403f-b162-acc8a32aa24c"/>
-    <ds:schemaRef ds:uri="http://purl.org/dc/terms/"/>
-    <ds:schemaRef ds:uri="http://schemas.microsoft.com/office/2006/documentManagement/types"/>
-    <ds:schemaRef ds:uri="http://purl.org/dc/dcmitype/"/>
-    <ds:schemaRef ds:uri="http://schemas.microsoft.com/office/2006/metadata/properties"/>
-    <ds:schemaRef ds:uri="http://schemas.microsoft.com/office/infopath/2007/PartnerControls"/>
-    <ds:schemaRef ds:uri="http://www.w3.org/XML/1998/namespace"/>
-  </ds:schemaRefs>
-</ds:datastoreItem>
-</file>
-
 <file path=customXml/itemProps3.xml><?xml version="1.0" encoding="utf-8"?>
 <ds:datastoreItem xmlns:ds="http://schemas.openxmlformats.org/officeDocument/2006/customXml" ds:itemID="{B460F8F6-9D3D-4D53-A54C-31107681F9D1}">
   <ds:schemaRefs>

--- a/docs/SASS Intro.pptx
+++ b/docs/SASS Intro.pptx
@@ -5,23 +5,28 @@
     <p:sldMasterId id="2147483684" r:id="rId4"/>
   </p:sldMasterIdLst>
   <p:notesMasterIdLst>
-    <p:notesMasterId r:id="rId16"/>
+    <p:notesMasterId r:id="rId21"/>
   </p:notesMasterIdLst>
   <p:handoutMasterIdLst>
-    <p:handoutMasterId r:id="rId17"/>
+    <p:handoutMasterId r:id="rId22"/>
   </p:handoutMasterIdLst>
   <p:sldIdLst>
     <p:sldId id="926" r:id="rId5"/>
-    <p:sldId id="941" r:id="rId6"/>
-    <p:sldId id="939" r:id="rId7"/>
+    <p:sldId id="939" r:id="rId6"/>
+    <p:sldId id="941" r:id="rId7"/>
     <p:sldId id="940" r:id="rId8"/>
     <p:sldId id="931" r:id="rId9"/>
-    <p:sldId id="932" r:id="rId10"/>
-    <p:sldId id="933" r:id="rId11"/>
-    <p:sldId id="934" r:id="rId12"/>
-    <p:sldId id="936" r:id="rId13"/>
-    <p:sldId id="937" r:id="rId14"/>
-    <p:sldId id="928" r:id="rId15"/>
+    <p:sldId id="947" r:id="rId10"/>
+    <p:sldId id="932" r:id="rId11"/>
+    <p:sldId id="948" r:id="rId12"/>
+    <p:sldId id="937" r:id="rId13"/>
+    <p:sldId id="949" r:id="rId14"/>
+    <p:sldId id="934" r:id="rId15"/>
+    <p:sldId id="950" r:id="rId16"/>
+    <p:sldId id="936" r:id="rId17"/>
+    <p:sldId id="951" r:id="rId18"/>
+    <p:sldId id="928" r:id="rId19"/>
+    <p:sldId id="952" r:id="rId20"/>
   </p:sldIdLst>
   <p:sldSz cx="12192000" cy="6858000"/>
   <p:notesSz cx="6858000" cy="9144000"/>
@@ -126,48 +131,49 @@
         <p14:section name="Intro" id="{E8DF837B-E12F-1A4C-80C2-D64E30396E90}">
           <p14:sldIdLst>
             <p14:sldId id="926"/>
-            <p14:sldId id="941"/>
           </p14:sldIdLst>
         </p14:section>
         <p14:section name="What is Sass?" id="{E28EF5E7-5AAE-4F67-BAE0-24ED57939E99}">
           <p14:sldIdLst>
             <p14:sldId id="939"/>
+            <p14:sldId id="941"/>
             <p14:sldId id="940"/>
           </p14:sldIdLst>
         </p14:section>
         <p14:section name="Nesting" id="{E9CAA418-3B41-4F4B-93EC-853209E37EE1}">
           <p14:sldIdLst>
             <p14:sldId id="931"/>
+            <p14:sldId id="947"/>
           </p14:sldIdLst>
         </p14:section>
         <p14:section name="Variables" id="{D96C31A1-DAA6-41B9-8277-B1CEFF3E9849}">
           <p14:sldIdLst>
             <p14:sldId id="932"/>
+            <p14:sldId id="948"/>
           </p14:sldIdLst>
         </p14:section>
-        <p14:section name="Operators" id="{4F54E92E-266F-44CB-8F41-7C36D09C3753}">
+        <p14:section name="Extend/Inheritance" id="{806F578E-4104-4705-94C6-8F9D8A2FD4B1}">
           <p14:sldIdLst>
-            <p14:sldId id="933"/>
+            <p14:sldId id="937"/>
+            <p14:sldId id="949"/>
           </p14:sldIdLst>
         </p14:section>
         <p14:section name="Mixins" id="{4BF80D64-1005-4905-A159-4B53BA53B01B}">
           <p14:sldIdLst>
             <p14:sldId id="934"/>
+            <p14:sldId id="950"/>
           </p14:sldIdLst>
         </p14:section>
         <p14:section name="Conditionals &amp; Loops" id="{ACB99D7E-B04B-40B9-A5FD-11C6EB924490}">
           <p14:sldIdLst>
             <p14:sldId id="936"/>
-          </p14:sldIdLst>
-        </p14:section>
-        <p14:section name="Extend/Inheritance" id="{806F578E-4104-4705-94C6-8F9D8A2FD4B1}">
-          <p14:sldIdLst>
-            <p14:sldId id="937"/>
+            <p14:sldId id="951"/>
           </p14:sldIdLst>
         </p14:section>
         <p14:section name="END" id="{680F39C5-1F40-924B-A5D2-D6C34505C15D}">
           <p14:sldIdLst>
             <p14:sldId id="928"/>
+            <p14:sldId id="952"/>
           </p14:sldIdLst>
         </p14:section>
       </p14:sectionLst>
@@ -19903,10 +19909,10 @@
       </p:grpSpPr>
       <p:sp>
         <p:nvSpPr>
-          <p:cNvPr id="6" name="Text Placeholder 5">
-            <a:extLst>
-              <a:ext uri="{FF2B5EF4-FFF2-40B4-BE49-F238E27FC236}">
-                <a16:creationId xmlns:a16="http://schemas.microsoft.com/office/drawing/2014/main" id="{03B2A513-0286-4E02-B96B-F80481953ECA}"/>
+          <p:cNvPr id="5" name="Title 4">
+            <a:extLst>
+              <a:ext uri="{FF2B5EF4-FFF2-40B4-BE49-F238E27FC236}">
+                <a16:creationId xmlns:a16="http://schemas.microsoft.com/office/drawing/2014/main" id="{B9097C01-F414-47F2-94C5-A45D534A93B8}"/>
               </a:ext>
             </a:extLst>
           </p:cNvPr>
@@ -19914,7 +19920,7 @@
             <a:spLocks noGrp="1"/>
           </p:cNvSpPr>
           <p:nvPr>
-            <p:ph type="body" sz="quarter" idx="11"/>
+            <p:ph type="title"/>
           </p:nvPr>
         </p:nvSpPr>
         <p:spPr/>
@@ -19923,18 +19929,18 @@
           <a:lstStyle/>
           <a:p>
             <a:r>
-              <a:rPr lang="en-US" dirty="0"/>
-              <a:t>Extend/Inheritance</a:t>
-            </a:r>
-          </a:p>
-        </p:txBody>
-      </p:sp>
-      <p:sp>
-        <p:nvSpPr>
-          <p:cNvPr id="7" name="Text Placeholder 6">
-            <a:extLst>
-              <a:ext uri="{FF2B5EF4-FFF2-40B4-BE49-F238E27FC236}">
-                <a16:creationId xmlns:a16="http://schemas.microsoft.com/office/drawing/2014/main" id="{B710344F-0496-482F-BE61-E6224E004EBE}"/>
+              <a:rPr lang="en-GB" dirty="0"/>
+              <a:t>Extensions</a:t>
+            </a:r>
+          </a:p>
+        </p:txBody>
+      </p:sp>
+      <p:sp>
+        <p:nvSpPr>
+          <p:cNvPr id="8" name="Content Placeholder 7">
+            <a:extLst>
+              <a:ext uri="{FF2B5EF4-FFF2-40B4-BE49-F238E27FC236}">
+                <a16:creationId xmlns:a16="http://schemas.microsoft.com/office/drawing/2014/main" id="{35B34F88-B88C-4133-A62A-B4022A689BE0}"/>
               </a:ext>
             </a:extLst>
           </p:cNvPr>
@@ -19942,22 +19948,90 @@
             <a:spLocks noGrp="1"/>
           </p:cNvSpPr>
           <p:nvPr>
-            <p:ph type="body" sz="quarter" idx="12"/>
+            <p:ph idx="1"/>
           </p:nvPr>
         </p:nvSpPr>
-        <p:spPr/>
+        <p:spPr>
+          <a:xfrm>
+            <a:off x="838201" y="1378039"/>
+            <a:ext cx="3138996" cy="4621708"/>
+          </a:xfrm>
+        </p:spPr>
         <p:txBody>
           <a:bodyPr/>
           <a:lstStyle/>
           <a:p>
-            <a:endParaRPr lang="en-US" dirty="0"/>
-          </a:p>
-        </p:txBody>
-      </p:sp>
+            <a:pPr marL="285750" indent="-285750">
+              <a:buFont typeface="Arial" panose="020B0604020202020204" pitchFamily="34" charset="0"/>
+              <a:buChar char="•"/>
+            </a:pPr>
+            <a:r>
+              <a:rPr lang="en-GB" dirty="0"/>
+              <a:t>Keeps your CSS DRY</a:t>
+            </a:r>
+          </a:p>
+          <a:p>
+            <a:pPr marL="285750" indent="-285750">
+              <a:buFont typeface="Arial" panose="020B0604020202020204" pitchFamily="34" charset="0"/>
+              <a:buChar char="•"/>
+            </a:pPr>
+            <a:r>
+              <a:rPr lang="en-GB" dirty="0"/>
+              <a:t>Ensures consistency throughout the project</a:t>
+            </a:r>
+          </a:p>
+          <a:p>
+            <a:pPr marL="285750" indent="-285750">
+              <a:buFont typeface="Arial" panose="020B0604020202020204" pitchFamily="34" charset="0"/>
+              <a:buChar char="•"/>
+            </a:pPr>
+            <a:r>
+              <a:rPr lang="en-GB" dirty="0"/>
+              <a:t>Saves time when writing common style patterns, such as absolutely positioning elements.</a:t>
+            </a:r>
+          </a:p>
+          <a:p>
+            <a:pPr marL="285750" indent="-285750">
+              <a:buFont typeface="Arial" panose="020B0604020202020204" pitchFamily="34" charset="0"/>
+              <a:buChar char="•"/>
+            </a:pPr>
+            <a:endParaRPr lang="en-GB" dirty="0"/>
+          </a:p>
+        </p:txBody>
+      </p:sp>
+      <p:pic>
+        <p:nvPicPr>
+          <p:cNvPr id="2" name="Picture 1">
+            <a:extLst>
+              <a:ext uri="{FF2B5EF4-FFF2-40B4-BE49-F238E27FC236}">
+                <a16:creationId xmlns:a16="http://schemas.microsoft.com/office/drawing/2014/main" id="{78377B30-291B-449C-8A85-A26F1ABB85A8}"/>
+              </a:ext>
+            </a:extLst>
+          </p:cNvPr>
+          <p:cNvPicPr>
+            <a:picLocks noChangeAspect="1"/>
+          </p:cNvPicPr>
+          <p:nvPr/>
+        </p:nvPicPr>
+        <p:blipFill rotWithShape="1">
+          <a:blip r:embed="rId2"/>
+          <a:srcRect b="5324"/>
+          <a:stretch/>
+        </p:blipFill>
+        <p:spPr>
+          <a:xfrm>
+            <a:off x="4055713" y="0"/>
+            <a:ext cx="8318183" cy="6858000"/>
+          </a:xfrm>
+          <a:prstGeom prst="rect">
+            <a:avLst/>
+          </a:prstGeom>
+        </p:spPr>
+      </p:pic>
     </p:spTree>
     <p:extLst>
       <p:ext uri="{BB962C8B-B14F-4D97-AF65-F5344CB8AC3E}">
-        <p14:creationId xmlns:p14="http://schemas.microsoft.com/office/powerpoint/2010/main" val="3394439589"/>
+        <p14:creationId xmlns:p14="http://schemas.microsoft.com/office/powerpoint/2010/main" val="2680311599"/>
       </p:ext>
     </p:extLst>
   </p:cSld>
@@ -19986,10 +20060,123 @@
       </p:grpSpPr>
       <p:sp>
         <p:nvSpPr>
-          <p:cNvPr id="4" name="Content Placeholder 3">
-            <a:extLst>
-              <a:ext uri="{FF2B5EF4-FFF2-40B4-BE49-F238E27FC236}">
-                <a16:creationId xmlns:a16="http://schemas.microsoft.com/office/drawing/2014/main" id="{79BC631D-7FEB-4AD2-8396-853D2771778A}"/>
+          <p:cNvPr id="4" name="Text Placeholder 3">
+            <a:extLst>
+              <a:ext uri="{FF2B5EF4-FFF2-40B4-BE49-F238E27FC236}">
+                <a16:creationId xmlns:a16="http://schemas.microsoft.com/office/drawing/2014/main" id="{91E9247A-66F9-4926-A418-CFDD2F7B461A}"/>
+              </a:ext>
+            </a:extLst>
+          </p:cNvPr>
+          <p:cNvSpPr>
+            <a:spLocks noGrp="1"/>
+          </p:cNvSpPr>
+          <p:nvPr>
+            <p:ph type="body" sz="quarter" idx="11"/>
+          </p:nvPr>
+        </p:nvSpPr>
+        <p:spPr/>
+        <p:txBody>
+          <a:bodyPr/>
+          <a:lstStyle/>
+          <a:p>
+            <a:r>
+              <a:rPr lang="en-US" dirty="0" err="1"/>
+              <a:t>Mixins</a:t>
+            </a:r>
+            <a:endParaRPr lang="en-US" dirty="0"/>
+          </a:p>
+        </p:txBody>
+      </p:sp>
+      <p:sp>
+        <p:nvSpPr>
+          <p:cNvPr id="5" name="Text Placeholder 4">
+            <a:extLst>
+              <a:ext uri="{FF2B5EF4-FFF2-40B4-BE49-F238E27FC236}">
+                <a16:creationId xmlns:a16="http://schemas.microsoft.com/office/drawing/2014/main" id="{B2851CF9-27CE-4E1B-BA7F-B9CD6E60E84E}"/>
+              </a:ext>
+            </a:extLst>
+          </p:cNvPr>
+          <p:cNvSpPr>
+            <a:spLocks noGrp="1"/>
+          </p:cNvSpPr>
+          <p:nvPr>
+            <p:ph type="body" sz="quarter" idx="12"/>
+          </p:nvPr>
+        </p:nvSpPr>
+        <p:spPr/>
+        <p:txBody>
+          <a:bodyPr/>
+          <a:lstStyle/>
+          <a:p>
+            <a:endParaRPr lang="en-US"/>
+          </a:p>
+        </p:txBody>
+      </p:sp>
+    </p:spTree>
+    <p:extLst>
+      <p:ext uri="{BB962C8B-B14F-4D97-AF65-F5344CB8AC3E}">
+        <p14:creationId xmlns:p14="http://schemas.microsoft.com/office/powerpoint/2010/main" val="2009415653"/>
+      </p:ext>
+    </p:extLst>
+  </p:cSld>
+  <p:clrMapOvr>
+    <a:masterClrMapping/>
+  </p:clrMapOvr>
+</p:sld>
+</file>
+
+<file path=ppt/slides/slide12.xml><?xml version="1.0" encoding="utf-8"?>
+<p:sld xmlns:a="http://schemas.openxmlformats.org/drawingml/2006/main" xmlns:r="http://schemas.openxmlformats.org/officeDocument/2006/relationships" xmlns:p="http://schemas.openxmlformats.org/presentationml/2006/main">
+  <p:cSld>
+    <p:spTree>
+      <p:nvGrpSpPr>
+        <p:cNvPr id="1" name=""/>
+        <p:cNvGrpSpPr/>
+        <p:nvPr/>
+      </p:nvGrpSpPr>
+      <p:grpSpPr>
+        <a:xfrm>
+          <a:off x="0" y="0"/>
+          <a:ext cx="0" cy="0"/>
+          <a:chOff x="0" y="0"/>
+          <a:chExt cx="0" cy="0"/>
+        </a:xfrm>
+      </p:grpSpPr>
+      <p:sp>
+        <p:nvSpPr>
+          <p:cNvPr id="5" name="Title 4">
+            <a:extLst>
+              <a:ext uri="{FF2B5EF4-FFF2-40B4-BE49-F238E27FC236}">
+                <a16:creationId xmlns:a16="http://schemas.microsoft.com/office/drawing/2014/main" id="{B9097C01-F414-47F2-94C5-A45D534A93B8}"/>
+              </a:ext>
+            </a:extLst>
+          </p:cNvPr>
+          <p:cNvSpPr>
+            <a:spLocks noGrp="1"/>
+          </p:cNvSpPr>
+          <p:nvPr>
+            <p:ph type="title"/>
+          </p:nvPr>
+        </p:nvSpPr>
+        <p:spPr/>
+        <p:txBody>
+          <a:bodyPr/>
+          <a:lstStyle/>
+          <a:p>
+            <a:r>
+              <a:rPr lang="en-GB" dirty="0" err="1"/>
+              <a:t>Mixins</a:t>
+            </a:r>
+            <a:endParaRPr lang="en-GB" dirty="0"/>
+          </a:p>
+        </p:txBody>
+      </p:sp>
+      <p:sp>
+        <p:nvSpPr>
+          <p:cNvPr id="8" name="Content Placeholder 7">
+            <a:extLst>
+              <a:ext uri="{FF2B5EF4-FFF2-40B4-BE49-F238E27FC236}">
+                <a16:creationId xmlns:a16="http://schemas.microsoft.com/office/drawing/2014/main" id="{35B34F88-B88C-4133-A62A-B4022A689BE0}"/>
               </a:ext>
             </a:extLst>
           </p:cNvPr>
@@ -20000,12 +20187,427 @@
             <p:ph idx="1"/>
           </p:nvPr>
         </p:nvSpPr>
-        <p:spPr/>
+        <p:spPr>
+          <a:xfrm>
+            <a:off x="838201" y="1378039"/>
+            <a:ext cx="3138996" cy="4621708"/>
+          </a:xfrm>
+        </p:spPr>
         <p:txBody>
           <a:bodyPr/>
           <a:lstStyle/>
           <a:p>
-            <a:endParaRPr lang="en-US" dirty="0"/>
+            <a:pPr marL="285750" indent="-285750">
+              <a:buFont typeface="Arial" panose="020B0604020202020204" pitchFamily="34" charset="0"/>
+              <a:buChar char="•"/>
+            </a:pPr>
+            <a:r>
+              <a:rPr lang="en-GB" dirty="0"/>
+              <a:t>Keeps your CSS DRY</a:t>
+            </a:r>
+          </a:p>
+          <a:p>
+            <a:pPr marL="285750" indent="-285750">
+              <a:buFont typeface="Arial" panose="020B0604020202020204" pitchFamily="34" charset="0"/>
+              <a:buChar char="•"/>
+            </a:pPr>
+            <a:r>
+              <a:rPr lang="en-GB" dirty="0"/>
+              <a:t>Ensures consistency throughout the project</a:t>
+            </a:r>
+          </a:p>
+          <a:p>
+            <a:pPr marL="285750" indent="-285750">
+              <a:buFont typeface="Arial" panose="020B0604020202020204" pitchFamily="34" charset="0"/>
+              <a:buChar char="•"/>
+            </a:pPr>
+            <a:r>
+              <a:rPr lang="en-GB" dirty="0"/>
+              <a:t>Saves time when writing common style patterns that have slight deviations, such as:</a:t>
+            </a:r>
+          </a:p>
+          <a:p>
+            <a:pPr marL="971550" lvl="1" indent="-285750"/>
+            <a:r>
+              <a:rPr lang="en-GB" dirty="0"/>
+              <a:t>Media queries</a:t>
+            </a:r>
+          </a:p>
+          <a:p>
+            <a:pPr marL="971550" lvl="1" indent="-285750"/>
+            <a:r>
+              <a:rPr lang="en-GB" dirty="0"/>
+              <a:t>Grid positioning</a:t>
+            </a:r>
+          </a:p>
+          <a:p>
+            <a:pPr marL="285750" indent="-285750">
+              <a:buFont typeface="Arial" panose="020B0604020202020204" pitchFamily="34" charset="0"/>
+              <a:buChar char="•"/>
+            </a:pPr>
+            <a:endParaRPr lang="en-GB" dirty="0"/>
+          </a:p>
+          <a:p>
+            <a:pPr marL="285750" indent="-285750">
+              <a:buFont typeface="Arial" panose="020B0604020202020204" pitchFamily="34" charset="0"/>
+              <a:buChar char="•"/>
+            </a:pPr>
+            <a:endParaRPr lang="en-GB" dirty="0"/>
+          </a:p>
+        </p:txBody>
+      </p:sp>
+      <p:pic>
+        <p:nvPicPr>
+          <p:cNvPr id="3" name="Picture 2">
+            <a:extLst>
+              <a:ext uri="{FF2B5EF4-FFF2-40B4-BE49-F238E27FC236}">
+                <a16:creationId xmlns:a16="http://schemas.microsoft.com/office/drawing/2014/main" id="{F208156D-7CC0-4B9F-A2EB-E8B6EB26072D}"/>
+              </a:ext>
+            </a:extLst>
+          </p:cNvPr>
+          <p:cNvPicPr>
+            <a:picLocks noChangeAspect="1"/>
+          </p:cNvPicPr>
+          <p:nvPr/>
+        </p:nvPicPr>
+        <p:blipFill rotWithShape="1">
+          <a:blip r:embed="rId2"/>
+          <a:srcRect b="7773"/>
+          <a:stretch/>
+        </p:blipFill>
+        <p:spPr>
+          <a:xfrm>
+            <a:off x="4079967" y="0"/>
+            <a:ext cx="8112034" cy="6858000"/>
+          </a:xfrm>
+          <a:prstGeom prst="rect">
+            <a:avLst/>
+          </a:prstGeom>
+        </p:spPr>
+      </p:pic>
+    </p:spTree>
+    <p:extLst>
+      <p:ext uri="{BB962C8B-B14F-4D97-AF65-F5344CB8AC3E}">
+        <p14:creationId xmlns:p14="http://schemas.microsoft.com/office/powerpoint/2010/main" val="2964148858"/>
+      </p:ext>
+    </p:extLst>
+  </p:cSld>
+  <p:clrMapOvr>
+    <a:masterClrMapping/>
+  </p:clrMapOvr>
+</p:sld>
+</file>
+
+<file path=ppt/slides/slide13.xml><?xml version="1.0" encoding="utf-8"?>
+<p:sld xmlns:a="http://schemas.openxmlformats.org/drawingml/2006/main" xmlns:r="http://schemas.openxmlformats.org/officeDocument/2006/relationships" xmlns:p="http://schemas.openxmlformats.org/presentationml/2006/main">
+  <p:cSld>
+    <p:spTree>
+      <p:nvGrpSpPr>
+        <p:cNvPr id="1" name=""/>
+        <p:cNvGrpSpPr/>
+        <p:nvPr/>
+      </p:nvGrpSpPr>
+      <p:grpSpPr>
+        <a:xfrm>
+          <a:off x="0" y="0"/>
+          <a:ext cx="0" cy="0"/>
+          <a:chOff x="0" y="0"/>
+          <a:chExt cx="0" cy="0"/>
+        </a:xfrm>
+      </p:grpSpPr>
+      <p:sp>
+        <p:nvSpPr>
+          <p:cNvPr id="4" name="Text Placeholder 3">
+            <a:extLst>
+              <a:ext uri="{FF2B5EF4-FFF2-40B4-BE49-F238E27FC236}">
+                <a16:creationId xmlns:a16="http://schemas.microsoft.com/office/drawing/2014/main" id="{394420A5-0E12-4C0F-834B-C637DA46212E}"/>
+              </a:ext>
+            </a:extLst>
+          </p:cNvPr>
+          <p:cNvSpPr>
+            <a:spLocks noGrp="1"/>
+          </p:cNvSpPr>
+          <p:nvPr>
+            <p:ph type="body" sz="quarter" idx="11"/>
+          </p:nvPr>
+        </p:nvSpPr>
+        <p:spPr/>
+        <p:txBody>
+          <a:bodyPr/>
+          <a:lstStyle/>
+          <a:p>
+            <a:r>
+              <a:rPr lang="en-US" dirty="0"/>
+              <a:t>Conditionals &amp; Loops</a:t>
+            </a:r>
+          </a:p>
+        </p:txBody>
+      </p:sp>
+      <p:sp>
+        <p:nvSpPr>
+          <p:cNvPr id="5" name="Text Placeholder 4">
+            <a:extLst>
+              <a:ext uri="{FF2B5EF4-FFF2-40B4-BE49-F238E27FC236}">
+                <a16:creationId xmlns:a16="http://schemas.microsoft.com/office/drawing/2014/main" id="{368AAC6F-F7F9-4296-A0F2-3D240B651E15}"/>
+              </a:ext>
+            </a:extLst>
+          </p:cNvPr>
+          <p:cNvSpPr>
+            <a:spLocks noGrp="1"/>
+          </p:cNvSpPr>
+          <p:nvPr>
+            <p:ph type="body" sz="quarter" idx="12"/>
+          </p:nvPr>
+        </p:nvSpPr>
+        <p:spPr/>
+        <p:txBody>
+          <a:bodyPr/>
+          <a:lstStyle/>
+          <a:p>
+            <a:endParaRPr lang="en-US"/>
+          </a:p>
+        </p:txBody>
+      </p:sp>
+    </p:spTree>
+    <p:extLst>
+      <p:ext uri="{BB962C8B-B14F-4D97-AF65-F5344CB8AC3E}">
+        <p14:creationId xmlns:p14="http://schemas.microsoft.com/office/powerpoint/2010/main" val="91583965"/>
+      </p:ext>
+    </p:extLst>
+  </p:cSld>
+  <p:clrMapOvr>
+    <a:masterClrMapping/>
+  </p:clrMapOvr>
+</p:sld>
+</file>
+
+<file path=ppt/slides/slide14.xml><?xml version="1.0" encoding="utf-8"?>
+<p:sld xmlns:a="http://schemas.openxmlformats.org/drawingml/2006/main" xmlns:r="http://schemas.openxmlformats.org/officeDocument/2006/relationships" xmlns:p="http://schemas.openxmlformats.org/presentationml/2006/main">
+  <p:cSld>
+    <p:spTree>
+      <p:nvGrpSpPr>
+        <p:cNvPr id="1" name=""/>
+        <p:cNvGrpSpPr/>
+        <p:nvPr/>
+      </p:nvGrpSpPr>
+      <p:grpSpPr>
+        <a:xfrm>
+          <a:off x="0" y="0"/>
+          <a:ext cx="0" cy="0"/>
+          <a:chOff x="0" y="0"/>
+          <a:chExt cx="0" cy="0"/>
+        </a:xfrm>
+      </p:grpSpPr>
+      <p:sp>
+        <p:nvSpPr>
+          <p:cNvPr id="5" name="Title 4">
+            <a:extLst>
+              <a:ext uri="{FF2B5EF4-FFF2-40B4-BE49-F238E27FC236}">
+                <a16:creationId xmlns:a16="http://schemas.microsoft.com/office/drawing/2014/main" id="{B9097C01-F414-47F2-94C5-A45D534A93B8}"/>
+              </a:ext>
+            </a:extLst>
+          </p:cNvPr>
+          <p:cNvSpPr>
+            <a:spLocks noGrp="1"/>
+          </p:cNvSpPr>
+          <p:nvPr>
+            <p:ph type="title"/>
+          </p:nvPr>
+        </p:nvSpPr>
+        <p:spPr/>
+        <p:txBody>
+          <a:bodyPr/>
+          <a:lstStyle/>
+          <a:p>
+            <a:r>
+              <a:rPr lang="en-US" dirty="0"/>
+              <a:t>Conditionals &amp; Loops</a:t>
+            </a:r>
+            <a:endParaRPr lang="en-GB" dirty="0"/>
+          </a:p>
+        </p:txBody>
+      </p:sp>
+      <p:sp>
+        <p:nvSpPr>
+          <p:cNvPr id="8" name="Content Placeholder 7">
+            <a:extLst>
+              <a:ext uri="{FF2B5EF4-FFF2-40B4-BE49-F238E27FC236}">
+                <a16:creationId xmlns:a16="http://schemas.microsoft.com/office/drawing/2014/main" id="{35B34F88-B88C-4133-A62A-B4022A689BE0}"/>
+              </a:ext>
+            </a:extLst>
+          </p:cNvPr>
+          <p:cNvSpPr>
+            <a:spLocks noGrp="1"/>
+          </p:cNvSpPr>
+          <p:nvPr>
+            <p:ph idx="1"/>
+          </p:nvPr>
+        </p:nvSpPr>
+        <p:spPr>
+          <a:xfrm>
+            <a:off x="838201" y="1378039"/>
+            <a:ext cx="3138996" cy="4621708"/>
+          </a:xfrm>
+        </p:spPr>
+        <p:txBody>
+          <a:bodyPr/>
+          <a:lstStyle/>
+          <a:p>
+            <a:pPr marL="285750" indent="-285750">
+              <a:buFont typeface="Arial" panose="020B0604020202020204" pitchFamily="34" charset="0"/>
+              <a:buChar char="•"/>
+            </a:pPr>
+            <a:r>
+              <a:rPr lang="en-GB" dirty="0"/>
+              <a:t>Keeps your CSS DRY</a:t>
+            </a:r>
+          </a:p>
+          <a:p>
+            <a:pPr marL="285750" indent="-285750">
+              <a:buFont typeface="Arial" panose="020B0604020202020204" pitchFamily="34" charset="0"/>
+              <a:buChar char="•"/>
+            </a:pPr>
+            <a:r>
+              <a:rPr lang="en-GB" dirty="0"/>
+              <a:t>Saves time on writing repetitive CSS</a:t>
+            </a:r>
+          </a:p>
+          <a:p>
+            <a:pPr marL="285750" indent="-285750">
+              <a:buFont typeface="Arial" panose="020B0604020202020204" pitchFamily="34" charset="0"/>
+              <a:buChar char="•"/>
+            </a:pPr>
+            <a:endParaRPr lang="en-GB" dirty="0"/>
+          </a:p>
+          <a:p>
+            <a:pPr marL="285750" indent="-285750">
+              <a:buFont typeface="Arial" panose="020B0604020202020204" pitchFamily="34" charset="0"/>
+              <a:buChar char="•"/>
+            </a:pPr>
+            <a:endParaRPr lang="en-GB" dirty="0"/>
+          </a:p>
+          <a:p>
+            <a:pPr marL="285750" indent="-285750">
+              <a:buFont typeface="Arial" panose="020B0604020202020204" pitchFamily="34" charset="0"/>
+              <a:buChar char="•"/>
+            </a:pPr>
+            <a:endParaRPr lang="en-GB" dirty="0"/>
+          </a:p>
+        </p:txBody>
+      </p:sp>
+      <p:pic>
+        <p:nvPicPr>
+          <p:cNvPr id="4" name="Picture 3">
+            <a:extLst>
+              <a:ext uri="{FF2B5EF4-FFF2-40B4-BE49-F238E27FC236}">
+                <a16:creationId xmlns:a16="http://schemas.microsoft.com/office/drawing/2014/main" id="{ECF5A8D7-440B-4123-B758-5974D00796CC}"/>
+              </a:ext>
+            </a:extLst>
+          </p:cNvPr>
+          <p:cNvPicPr>
+            <a:picLocks noChangeAspect="1"/>
+          </p:cNvPicPr>
+          <p:nvPr/>
+        </p:nvPicPr>
+        <p:blipFill>
+          <a:blip r:embed="rId2"/>
+          <a:stretch>
+            <a:fillRect/>
+          </a:stretch>
+        </p:blipFill>
+        <p:spPr>
+          <a:xfrm>
+            <a:off x="4486275" y="2466975"/>
+            <a:ext cx="7705725" cy="4391025"/>
+          </a:xfrm>
+          <a:prstGeom prst="rect">
+            <a:avLst/>
+          </a:prstGeom>
+        </p:spPr>
+      </p:pic>
+    </p:spTree>
+    <p:extLst>
+      <p:ext uri="{BB962C8B-B14F-4D97-AF65-F5344CB8AC3E}">
+        <p14:creationId xmlns:p14="http://schemas.microsoft.com/office/powerpoint/2010/main" val="3217766325"/>
+      </p:ext>
+    </p:extLst>
+  </p:cSld>
+  <p:clrMapOvr>
+    <a:masterClrMapping/>
+  </p:clrMapOvr>
+</p:sld>
+</file>
+
+<file path=ppt/slides/slide15.xml><?xml version="1.0" encoding="utf-8"?>
+<p:sld xmlns:a="http://schemas.openxmlformats.org/drawingml/2006/main" xmlns:r="http://schemas.openxmlformats.org/officeDocument/2006/relationships" xmlns:p="http://schemas.openxmlformats.org/presentationml/2006/main">
+  <p:cSld>
+    <p:spTree>
+      <p:nvGrpSpPr>
+        <p:cNvPr id="1" name=""/>
+        <p:cNvGrpSpPr/>
+        <p:nvPr/>
+      </p:nvGrpSpPr>
+      <p:grpSpPr>
+        <a:xfrm>
+          <a:off x="0" y="0"/>
+          <a:ext cx="0" cy="0"/>
+          <a:chOff x="0" y="0"/>
+          <a:chExt cx="0" cy="0"/>
+        </a:xfrm>
+      </p:grpSpPr>
+      <p:sp>
+        <p:nvSpPr>
+          <p:cNvPr id="6" name="Text Placeholder 5">
+            <a:extLst>
+              <a:ext uri="{FF2B5EF4-FFF2-40B4-BE49-F238E27FC236}">
+                <a16:creationId xmlns:a16="http://schemas.microsoft.com/office/drawing/2014/main" id="{BA5F6569-9EF0-4DE1-8C76-AF5719BDE120}"/>
+              </a:ext>
+            </a:extLst>
+          </p:cNvPr>
+          <p:cNvSpPr>
+            <a:spLocks noGrp="1"/>
+          </p:cNvSpPr>
+          <p:nvPr>
+            <p:ph type="body" sz="quarter" idx="11"/>
+          </p:nvPr>
+        </p:nvSpPr>
+        <p:spPr/>
+        <p:txBody>
+          <a:bodyPr/>
+          <a:lstStyle/>
+          <a:p>
+            <a:r>
+              <a:rPr lang="en-GB" dirty="0"/>
+              <a:t>Workshop</a:t>
+            </a:r>
+          </a:p>
+        </p:txBody>
+      </p:sp>
+      <p:sp>
+        <p:nvSpPr>
+          <p:cNvPr id="7" name="Text Placeholder 6">
+            <a:extLst>
+              <a:ext uri="{FF2B5EF4-FFF2-40B4-BE49-F238E27FC236}">
+                <a16:creationId xmlns:a16="http://schemas.microsoft.com/office/drawing/2014/main" id="{A6F6062B-4FBD-406F-AD62-EC915B8EBB41}"/>
+              </a:ext>
+            </a:extLst>
+          </p:cNvPr>
+          <p:cNvSpPr>
+            <a:spLocks noGrp="1"/>
+          </p:cNvSpPr>
+          <p:nvPr>
+            <p:ph type="body" sz="quarter" idx="12"/>
+          </p:nvPr>
+        </p:nvSpPr>
+        <p:spPr/>
+        <p:txBody>
+          <a:bodyPr/>
+          <a:lstStyle/>
+          <a:p>
+            <a:r>
+              <a:rPr lang="en-GB" dirty="0"/>
+              <a:t>(Do It Yourself Time)</a:t>
+            </a:r>
           </a:p>
         </p:txBody>
       </p:sp>
@@ -20013,6 +20615,61 @@
     <p:extLst>
       <p:ext uri="{BB962C8B-B14F-4D97-AF65-F5344CB8AC3E}">
         <p14:creationId xmlns:p14="http://schemas.microsoft.com/office/powerpoint/2010/main" val="532188821"/>
+      </p:ext>
+    </p:extLst>
+  </p:cSld>
+  <p:clrMapOvr>
+    <a:masterClrMapping/>
+  </p:clrMapOvr>
+</p:sld>
+</file>
+
+<file path=ppt/slides/slide16.xml><?xml version="1.0" encoding="utf-8"?>
+<p:sld xmlns:a="http://schemas.openxmlformats.org/drawingml/2006/main" xmlns:r="http://schemas.openxmlformats.org/officeDocument/2006/relationships" xmlns:p="http://schemas.openxmlformats.org/presentationml/2006/main">
+  <p:cSld>
+    <p:spTree>
+      <p:nvGrpSpPr>
+        <p:cNvPr id="1" name=""/>
+        <p:cNvGrpSpPr/>
+        <p:nvPr/>
+      </p:nvGrpSpPr>
+      <p:grpSpPr>
+        <a:xfrm>
+          <a:off x="0" y="0"/>
+          <a:ext cx="0" cy="0"/>
+          <a:chOff x="0" y="0"/>
+          <a:chExt cx="0" cy="0"/>
+        </a:xfrm>
+      </p:grpSpPr>
+      <p:sp>
+        <p:nvSpPr>
+          <p:cNvPr id="4" name="Content Placeholder 3">
+            <a:extLst>
+              <a:ext uri="{FF2B5EF4-FFF2-40B4-BE49-F238E27FC236}">
+                <a16:creationId xmlns:a16="http://schemas.microsoft.com/office/drawing/2014/main" id="{79BC631D-7FEB-4AD2-8396-853D2771778A}"/>
+              </a:ext>
+            </a:extLst>
+          </p:cNvPr>
+          <p:cNvSpPr>
+            <a:spLocks noGrp="1"/>
+          </p:cNvSpPr>
+          <p:nvPr>
+            <p:ph idx="1"/>
+          </p:nvPr>
+        </p:nvSpPr>
+        <p:spPr/>
+        <p:txBody>
+          <a:bodyPr/>
+          <a:lstStyle/>
+          <a:p>
+            <a:endParaRPr lang="en-US" dirty="0"/>
+          </a:p>
+        </p:txBody>
+      </p:sp>
+    </p:spTree>
+    <p:extLst>
+      <p:ext uri="{BB962C8B-B14F-4D97-AF65-F5344CB8AC3E}">
+        <p14:creationId xmlns:p14="http://schemas.microsoft.com/office/powerpoint/2010/main" val="3209371597"/>
       </p:ext>
     </p:extLst>
   </p:cSld>
@@ -20039,12 +20696,78 @@
           <a:chExt cx="0" cy="0"/>
         </a:xfrm>
       </p:grpSpPr>
+      <p:sp>
+        <p:nvSpPr>
+          <p:cNvPr id="4" name="Title 3">
+            <a:extLst>
+              <a:ext uri="{FF2B5EF4-FFF2-40B4-BE49-F238E27FC236}">
+                <a16:creationId xmlns:a16="http://schemas.microsoft.com/office/drawing/2014/main" id="{8A587A56-8970-4C61-8EBC-2A71207C89B4}"/>
+              </a:ext>
+            </a:extLst>
+          </p:cNvPr>
+          <p:cNvSpPr>
+            <a:spLocks noGrp="1"/>
+          </p:cNvSpPr>
+          <p:nvPr>
+            <p:ph type="title"/>
+          </p:nvPr>
+        </p:nvSpPr>
+        <p:spPr/>
+        <p:txBody>
+          <a:bodyPr/>
+          <a:lstStyle/>
+          <a:p>
+            <a:r>
+              <a:rPr lang="en-GB" dirty="0"/>
+              <a:t>What is Sass?</a:t>
+            </a:r>
+          </a:p>
+        </p:txBody>
+      </p:sp>
+      <p:sp>
+        <p:nvSpPr>
+          <p:cNvPr id="5" name="Text Placeholder 4">
+            <a:extLst>
+              <a:ext uri="{FF2B5EF4-FFF2-40B4-BE49-F238E27FC236}">
+                <a16:creationId xmlns:a16="http://schemas.microsoft.com/office/drawing/2014/main" id="{48756355-325E-4A5B-81E2-CAD21BC095A8}"/>
+              </a:ext>
+            </a:extLst>
+          </p:cNvPr>
+          <p:cNvSpPr>
+            <a:spLocks noGrp="1"/>
+          </p:cNvSpPr>
+          <p:nvPr>
+            <p:ph type="body" sz="quarter" idx="12"/>
+          </p:nvPr>
+        </p:nvSpPr>
+        <p:spPr/>
+        <p:txBody>
+          <a:bodyPr/>
+          <a:lstStyle/>
+          <a:p>
+            <a:r>
+              <a:rPr lang="en-GB" cap="all" dirty="0"/>
+              <a:t>“CSS</a:t>
+            </a:r>
+            <a:r>
+              <a:rPr lang="en-GB" dirty="0"/>
+              <a:t> with superpowers” – Sass Team</a:t>
+            </a:r>
+          </a:p>
+          <a:p>
+            <a:r>
+              <a:rPr lang="en-GB" dirty="0"/>
+              <a:t>“CSS with Sass” – Someone (probably)</a:t>
+            </a:r>
+          </a:p>
+        </p:txBody>
+      </p:sp>
       <p:pic>
         <p:nvPicPr>
-          <p:cNvPr id="11" name="Picture Placeholder 10" descr="A person standing in a room&#10;&#10;Description automatically generated">
-            <a:extLst>
-              <a:ext uri="{FF2B5EF4-FFF2-40B4-BE49-F238E27FC236}">
-                <a16:creationId xmlns:a16="http://schemas.microsoft.com/office/drawing/2014/main" id="{BB953432-5584-4CB9-8F40-BB4FC65CDF21}"/>
+          <p:cNvPr id="30" name="Picture Placeholder 29" descr="A screen shot of a computer&#10;&#10;Description automatically generated">
+            <a:extLst>
+              <a:ext uri="{FF2B5EF4-FFF2-40B4-BE49-F238E27FC236}">
+                <a16:creationId xmlns:a16="http://schemas.microsoft.com/office/drawing/2014/main" id="{D5F453C1-73AF-4D58-BA35-6580950F01D5}"/>
               </a:ext>
             </a:extLst>
           </p:cNvPr>
@@ -20052,10 +20775,10 @@
             <a:picLocks noGrp="1" noChangeAspect="1"/>
           </p:cNvPicPr>
           <p:nvPr>
-            <p:ph type="pic" sz="quarter" idx="10"/>
+            <p:ph type="pic" sz="quarter" idx="13"/>
           </p:nvPr>
         </p:nvPicPr>
-        <p:blipFill>
+        <p:blipFill rotWithShape="1">
           <a:blip r:embed="rId2">
             <a:extLst>
               <a:ext uri="{28A0092B-C50C-407E-A947-70E740481C1C}">
@@ -20063,195 +20786,20 @@
               </a:ext>
             </a:extLst>
           </a:blip>
-          <a:srcRect l="1911" r="1911"/>
-          <a:stretch>
-            <a:fillRect/>
-          </a:stretch>
+          <a:srcRect l="15059" r="32427"/>
+          <a:stretch/>
         </p:blipFill>
-        <p:spPr/>
+        <p:spPr>
+          <a:xfrm>
+            <a:off x="5310906" y="-1"/>
+            <a:ext cx="6881094" cy="6858000"/>
+          </a:xfrm>
+        </p:spPr>
       </p:pic>
-      <p:sp>
-        <p:nvSpPr>
-          <p:cNvPr id="12" name="Rectangle 11">
-            <a:extLst>
-              <a:ext uri="{FF2B5EF4-FFF2-40B4-BE49-F238E27FC236}">
-                <a16:creationId xmlns:a16="http://schemas.microsoft.com/office/drawing/2014/main" id="{6C55EEEE-2562-4326-B178-D62E71321AEE}"/>
-              </a:ext>
-            </a:extLst>
-          </p:cNvPr>
-          <p:cNvSpPr/>
-          <p:nvPr/>
-        </p:nvSpPr>
-        <p:spPr>
-          <a:xfrm>
-            <a:off x="0" y="0"/>
-            <a:ext cx="12191999" cy="6858000"/>
-          </a:xfrm>
-          <a:prstGeom prst="rect">
-            <a:avLst/>
-          </a:prstGeom>
-          <a:solidFill>
-            <a:schemeClr val="tx2">
-              <a:alpha val="42000"/>
-            </a:schemeClr>
-          </a:solidFill>
-        </p:spPr>
-        <p:style>
-          <a:lnRef idx="2">
-            <a:schemeClr val="accent1">
-              <a:shade val="50000"/>
-            </a:schemeClr>
-          </a:lnRef>
-          <a:fillRef idx="1">
-            <a:schemeClr val="accent1"/>
-          </a:fillRef>
-          <a:effectRef idx="0">
-            <a:schemeClr val="accent1"/>
-          </a:effectRef>
-          <a:fontRef idx="minor">
-            <a:schemeClr val="lt1"/>
-          </a:fontRef>
-        </p:style>
-        <p:txBody>
-          <a:bodyPr rtlCol="0" anchor="ctr"/>
-          <a:lstStyle/>
-          <a:p>
-            <a:pPr algn="ctr"/>
-            <a:endParaRPr lang="en-GB"/>
-          </a:p>
-        </p:txBody>
-      </p:sp>
-      <p:sp>
-        <p:nvSpPr>
-          <p:cNvPr id="6" name="Content Placeholder 5">
-            <a:extLst>
-              <a:ext uri="{FF2B5EF4-FFF2-40B4-BE49-F238E27FC236}">
-                <a16:creationId xmlns:a16="http://schemas.microsoft.com/office/drawing/2014/main" id="{F5C69634-0A95-42AD-8C0E-EE1D3E507A1E}"/>
-              </a:ext>
-            </a:extLst>
-          </p:cNvPr>
-          <p:cNvSpPr>
-            <a:spLocks noGrp="1"/>
-          </p:cNvSpPr>
-          <p:nvPr>
-            <p:ph sz="quarter" idx="11"/>
-          </p:nvPr>
-        </p:nvSpPr>
-        <p:spPr/>
-        <p:txBody>
-          <a:bodyPr/>
-          <a:lstStyle/>
-          <a:p>
-            <a:endParaRPr lang="en-GB" dirty="0"/>
-          </a:p>
-        </p:txBody>
-      </p:sp>
-      <p:sp>
-        <p:nvSpPr>
-          <p:cNvPr id="4" name="Title 3">
-            <a:extLst>
-              <a:ext uri="{FF2B5EF4-FFF2-40B4-BE49-F238E27FC236}">
-                <a16:creationId xmlns:a16="http://schemas.microsoft.com/office/drawing/2014/main" id="{0744B0A1-3CC3-40AC-9FFC-65D0AD279864}"/>
-              </a:ext>
-            </a:extLst>
-          </p:cNvPr>
-          <p:cNvSpPr>
-            <a:spLocks noGrp="1"/>
-          </p:cNvSpPr>
-          <p:nvPr>
-            <p:ph type="ctrTitle"/>
-          </p:nvPr>
-        </p:nvSpPr>
-        <p:spPr/>
-        <p:txBody>
-          <a:bodyPr>
-            <a:noAutofit/>
-          </a:bodyPr>
-          <a:lstStyle/>
-          <a:p>
-            <a:r>
-              <a:rPr lang="en-GB" sz="2400" dirty="0"/>
-              <a:t>If you ask me if I think CSS pre-processors are worth learning, incorporating into your workflow, and what my favourite is, I'd tell you: yes, yes, and </a:t>
-            </a:r>
-            <a:r>
-              <a:rPr lang="en-GB" sz="2400" dirty="0">
-                <a:hlinkClick r:id="rId3">
-                  <a:extLst>
-                    <a:ext uri="{A12FA001-AC4F-418D-AE19-62706E023703}">
-                      <ahyp:hlinkClr xmlns:ahyp="http://schemas.microsoft.com/office/drawing/2018/hyperlinkcolor" val="tx"/>
-                    </a:ext>
-                  </a:extLst>
-                </a:hlinkClick>
-              </a:rPr>
-              <a:t>Sass</a:t>
-            </a:r>
-            <a:r>
-              <a:rPr lang="en-GB" sz="2400" dirty="0"/>
-              <a:t> with </a:t>
-            </a:r>
-            <a:r>
-              <a:rPr lang="en-GB" sz="2400" dirty="0">
-                <a:hlinkClick r:id="rId4">
-                  <a:extLst>
-                    <a:ext uri="{A12FA001-AC4F-418D-AE19-62706E023703}">
-                      <ahyp:hlinkClr xmlns:ahyp="http://schemas.microsoft.com/office/drawing/2018/hyperlinkcolor" val="tx"/>
-                    </a:ext>
-                  </a:extLst>
-                </a:hlinkClick>
-              </a:rPr>
-              <a:t>Compass</a:t>
-            </a:r>
-            <a:r>
-              <a:rPr lang="en-GB" sz="2400" dirty="0"/>
-              <a:t>.</a:t>
-            </a:r>
-            <a:br>
-              <a:rPr lang="en-GB" sz="2400" dirty="0"/>
-            </a:br>
-            <a:r>
-              <a:rPr lang="en-GB" sz="2400" dirty="0"/>
-              <a:t>- Chris </a:t>
-            </a:r>
-            <a:r>
-              <a:rPr lang="en-GB" sz="2400" dirty="0" err="1"/>
-              <a:t>Coyier</a:t>
-            </a:r>
-            <a:r>
-              <a:rPr lang="en-GB" sz="2400" dirty="0"/>
-              <a:t> -</a:t>
-            </a:r>
-          </a:p>
-        </p:txBody>
-      </p:sp>
-      <p:sp>
-        <p:nvSpPr>
-          <p:cNvPr id="7" name="Content Placeholder 6">
-            <a:extLst>
-              <a:ext uri="{FF2B5EF4-FFF2-40B4-BE49-F238E27FC236}">
-                <a16:creationId xmlns:a16="http://schemas.microsoft.com/office/drawing/2014/main" id="{E9215B5A-2931-4D9B-9324-10799EC4848E}"/>
-              </a:ext>
-            </a:extLst>
-          </p:cNvPr>
-          <p:cNvSpPr>
-            <a:spLocks noGrp="1"/>
-          </p:cNvSpPr>
-          <p:nvPr>
-            <p:ph sz="quarter" idx="12"/>
-          </p:nvPr>
-        </p:nvSpPr>
-        <p:spPr/>
-        <p:txBody>
-          <a:bodyPr/>
-          <a:lstStyle/>
-          <a:p>
-            <a:endParaRPr lang="en-GB" dirty="0"/>
-          </a:p>
-        </p:txBody>
-      </p:sp>
     </p:spTree>
     <p:extLst>
       <p:ext uri="{BB962C8B-B14F-4D97-AF65-F5344CB8AC3E}">
-        <p14:creationId xmlns:p14="http://schemas.microsoft.com/office/powerpoint/2010/main" val="4163312250"/>
+        <p14:creationId xmlns:p14="http://schemas.microsoft.com/office/powerpoint/2010/main" val="2084706228"/>
       </p:ext>
     </p:extLst>
   </p:cSld>
@@ -20278,12 +20826,94 @@
           <a:chExt cx="0" cy="0"/>
         </a:xfrm>
       </p:grpSpPr>
-      <p:sp>
-        <p:nvSpPr>
-          <p:cNvPr id="4" name="Title 3">
-            <a:extLst>
-              <a:ext uri="{FF2B5EF4-FFF2-40B4-BE49-F238E27FC236}">
-                <a16:creationId xmlns:a16="http://schemas.microsoft.com/office/drawing/2014/main" id="{8A587A56-8970-4C61-8EBC-2A71207C89B4}"/>
+      <p:pic>
+        <p:nvPicPr>
+          <p:cNvPr id="11" name="Picture Placeholder 10" descr="A person standing in a room&#10;&#10;Description automatically generated">
+            <a:extLst>
+              <a:ext uri="{FF2B5EF4-FFF2-40B4-BE49-F238E27FC236}">
+                <a16:creationId xmlns:a16="http://schemas.microsoft.com/office/drawing/2014/main" id="{BB953432-5584-4CB9-8F40-BB4FC65CDF21}"/>
+              </a:ext>
+            </a:extLst>
+          </p:cNvPr>
+          <p:cNvPicPr>
+            <a:picLocks noGrp="1" noChangeAspect="1"/>
+          </p:cNvPicPr>
+          <p:nvPr>
+            <p:ph type="pic" sz="quarter" idx="10"/>
+          </p:nvPr>
+        </p:nvPicPr>
+        <p:blipFill>
+          <a:blip r:embed="rId2">
+            <a:extLst>
+              <a:ext uri="{28A0092B-C50C-407E-A947-70E740481C1C}">
+                <a14:useLocalDpi xmlns:a14="http://schemas.microsoft.com/office/drawing/2010/main" val="0"/>
+              </a:ext>
+            </a:extLst>
+          </a:blip>
+          <a:srcRect l="1911" r="1911"/>
+          <a:stretch>
+            <a:fillRect/>
+          </a:stretch>
+        </p:blipFill>
+        <p:spPr/>
+      </p:pic>
+      <p:sp>
+        <p:nvSpPr>
+          <p:cNvPr id="12" name="Rectangle 11">
+            <a:extLst>
+              <a:ext uri="{FF2B5EF4-FFF2-40B4-BE49-F238E27FC236}">
+                <a16:creationId xmlns:a16="http://schemas.microsoft.com/office/drawing/2014/main" id="{6C55EEEE-2562-4326-B178-D62E71321AEE}"/>
+              </a:ext>
+            </a:extLst>
+          </p:cNvPr>
+          <p:cNvSpPr/>
+          <p:nvPr/>
+        </p:nvSpPr>
+        <p:spPr>
+          <a:xfrm>
+            <a:off x="0" y="0"/>
+            <a:ext cx="12191999" cy="6858000"/>
+          </a:xfrm>
+          <a:prstGeom prst="rect">
+            <a:avLst/>
+          </a:prstGeom>
+          <a:solidFill>
+            <a:schemeClr val="tx2">
+              <a:alpha val="42000"/>
+            </a:schemeClr>
+          </a:solidFill>
+        </p:spPr>
+        <p:style>
+          <a:lnRef idx="2">
+            <a:schemeClr val="accent1">
+              <a:shade val="50000"/>
+            </a:schemeClr>
+          </a:lnRef>
+          <a:fillRef idx="1">
+            <a:schemeClr val="accent1"/>
+          </a:fillRef>
+          <a:effectRef idx="0">
+            <a:schemeClr val="accent1"/>
+          </a:effectRef>
+          <a:fontRef idx="minor">
+            <a:schemeClr val="lt1"/>
+          </a:fontRef>
+        </p:style>
+        <p:txBody>
+          <a:bodyPr rtlCol="0" anchor="ctr"/>
+          <a:lstStyle/>
+          <a:p>
+            <a:pPr algn="ctr"/>
+            <a:endParaRPr lang="en-GB"/>
+          </a:p>
+        </p:txBody>
+      </p:sp>
+      <p:sp>
+        <p:nvSpPr>
+          <p:cNvPr id="6" name="Content Placeholder 5">
+            <a:extLst>
+              <a:ext uri="{FF2B5EF4-FFF2-40B4-BE49-F238E27FC236}">
+                <a16:creationId xmlns:a16="http://schemas.microsoft.com/office/drawing/2014/main" id="{F5C69634-0A95-42AD-8C0E-EE1D3E507A1E}"/>
               </a:ext>
             </a:extLst>
           </p:cNvPr>
@@ -20291,7 +20921,7 @@
             <a:spLocks noGrp="1"/>
           </p:cNvSpPr>
           <p:nvPr>
-            <p:ph type="title"/>
+            <p:ph sz="quarter" idx="11"/>
           </p:nvPr>
         </p:nvSpPr>
         <p:spPr/>
@@ -20299,19 +20929,16 @@
           <a:bodyPr/>
           <a:lstStyle/>
           <a:p>
-            <a:r>
-              <a:rPr lang="en-GB" dirty="0"/>
-              <a:t>What is Sass?</a:t>
-            </a:r>
-          </a:p>
-        </p:txBody>
-      </p:sp>
-      <p:sp>
-        <p:nvSpPr>
-          <p:cNvPr id="5" name="Text Placeholder 4">
-            <a:extLst>
-              <a:ext uri="{FF2B5EF4-FFF2-40B4-BE49-F238E27FC236}">
-                <a16:creationId xmlns:a16="http://schemas.microsoft.com/office/drawing/2014/main" id="{48756355-325E-4A5B-81E2-CAD21BC095A8}"/>
+            <a:endParaRPr lang="en-GB" dirty="0"/>
+          </a:p>
+        </p:txBody>
+      </p:sp>
+      <p:sp>
+        <p:nvSpPr>
+          <p:cNvPr id="4" name="Title 3">
+            <a:extLst>
+              <a:ext uri="{FF2B5EF4-FFF2-40B4-BE49-F238E27FC236}">
+                <a16:creationId xmlns:a16="http://schemas.microsoft.com/office/drawing/2014/main" id="{0744B0A1-3CC3-40AC-9FFC-65D0AD279864}"/>
               </a:ext>
             </a:extLst>
           </p:cNvPr>
@@ -20319,7 +20946,84 @@
             <a:spLocks noGrp="1"/>
           </p:cNvSpPr>
           <p:nvPr>
-            <p:ph type="body" sz="quarter" idx="12"/>
+            <p:ph type="ctrTitle"/>
+          </p:nvPr>
+        </p:nvSpPr>
+        <p:spPr/>
+        <p:txBody>
+          <a:bodyPr>
+            <a:noAutofit/>
+          </a:bodyPr>
+          <a:lstStyle/>
+          <a:p>
+            <a:r>
+              <a:rPr lang="en-GB" sz="2400" dirty="0"/>
+              <a:t>If you ask me if I think CSS pre-processors are worth learning, incorporating into your workflow, and what my favourite is, I'd tell you: yes, yes, and </a:t>
+            </a:r>
+            <a:r>
+              <a:rPr lang="en-GB" sz="2400" dirty="0">
+                <a:hlinkClick r:id="rId3">
+                  <a:extLst>
+                    <a:ext uri="{A12FA001-AC4F-418D-AE19-62706E023703}">
+                      <ahyp:hlinkClr xmlns:ahyp="http://schemas.microsoft.com/office/drawing/2018/hyperlinkcolor" val="tx"/>
+                    </a:ext>
+                  </a:extLst>
+                </a:hlinkClick>
+              </a:rPr>
+              <a:t>Sass</a:t>
+            </a:r>
+            <a:r>
+              <a:rPr lang="en-GB" sz="2400" dirty="0"/>
+              <a:t> with </a:t>
+            </a:r>
+            <a:r>
+              <a:rPr lang="en-GB" sz="2400" dirty="0">
+                <a:hlinkClick r:id="rId4">
+                  <a:extLst>
+                    <a:ext uri="{A12FA001-AC4F-418D-AE19-62706E023703}">
+                      <ahyp:hlinkClr xmlns:ahyp="http://schemas.microsoft.com/office/drawing/2018/hyperlinkcolor" val="tx"/>
+                    </a:ext>
+                  </a:extLst>
+                </a:hlinkClick>
+              </a:rPr>
+              <a:t>Compass</a:t>
+            </a:r>
+            <a:r>
+              <a:rPr lang="en-GB" sz="2400" dirty="0"/>
+              <a:t>.</a:t>
+            </a:r>
+            <a:br>
+              <a:rPr lang="en-GB" sz="2400" dirty="0"/>
+            </a:br>
+            <a:r>
+              <a:rPr lang="en-GB" sz="2400" dirty="0"/>
+              <a:t>- Chris </a:t>
+            </a:r>
+            <a:r>
+              <a:rPr lang="en-GB" sz="2400" dirty="0" err="1"/>
+              <a:t>Coyier</a:t>
+            </a:r>
+            <a:r>
+              <a:rPr lang="en-GB" sz="2400" dirty="0"/>
+              <a:t> -</a:t>
+            </a:r>
+          </a:p>
+        </p:txBody>
+      </p:sp>
+      <p:sp>
+        <p:nvSpPr>
+          <p:cNvPr id="7" name="Content Placeholder 6">
+            <a:extLst>
+              <a:ext uri="{FF2B5EF4-FFF2-40B4-BE49-F238E27FC236}">
+                <a16:creationId xmlns:a16="http://schemas.microsoft.com/office/drawing/2014/main" id="{E9215B5A-2931-4D9B-9324-10799EC4848E}"/>
+              </a:ext>
+            </a:extLst>
+          </p:cNvPr>
+          <p:cNvSpPr>
+            <a:spLocks noGrp="1"/>
+          </p:cNvSpPr>
+          <p:nvPr>
+            <p:ph sz="quarter" idx="12"/>
           </p:nvPr>
         </p:nvSpPr>
         <p:spPr/>
@@ -20327,55 +21031,14 @@
           <a:bodyPr/>
           <a:lstStyle/>
           <a:p>
-            <a:r>
-              <a:rPr lang="en-GB" cap="all" dirty="0"/>
-              <a:t>CSS</a:t>
-            </a:r>
-            <a:r>
-              <a:rPr lang="en-GB" dirty="0"/>
-              <a:t> with superpowers – Sass Team</a:t>
-            </a:r>
-          </a:p>
-        </p:txBody>
-      </p:sp>
-      <p:pic>
-        <p:nvPicPr>
-          <p:cNvPr id="30" name="Picture Placeholder 29" descr="A screen shot of a computer&#10;&#10;Description automatically generated">
-            <a:extLst>
-              <a:ext uri="{FF2B5EF4-FFF2-40B4-BE49-F238E27FC236}">
-                <a16:creationId xmlns:a16="http://schemas.microsoft.com/office/drawing/2014/main" id="{D5F453C1-73AF-4D58-BA35-6580950F01D5}"/>
-              </a:ext>
-            </a:extLst>
-          </p:cNvPr>
-          <p:cNvPicPr>
-            <a:picLocks noGrp="1" noChangeAspect="1"/>
-          </p:cNvPicPr>
-          <p:nvPr>
-            <p:ph type="pic" sz="quarter" idx="13"/>
-          </p:nvPr>
-        </p:nvPicPr>
-        <p:blipFill rotWithShape="1">
-          <a:blip r:embed="rId2">
-            <a:extLst>
-              <a:ext uri="{28A0092B-C50C-407E-A947-70E740481C1C}">
-                <a14:useLocalDpi xmlns:a14="http://schemas.microsoft.com/office/drawing/2010/main" val="0"/>
-              </a:ext>
-            </a:extLst>
-          </a:blip>
-          <a:srcRect l="15059" r="32427"/>
-          <a:stretch/>
-        </p:blipFill>
-        <p:spPr>
-          <a:xfrm>
-            <a:off x="5310906" y="-1"/>
-            <a:ext cx="6881094" cy="6858000"/>
-          </a:xfrm>
-        </p:spPr>
-      </p:pic>
+            <a:endParaRPr lang="en-GB" dirty="0"/>
+          </a:p>
+        </p:txBody>
+      </p:sp>
     </p:spTree>
     <p:extLst>
       <p:ext uri="{BB962C8B-B14F-4D97-AF65-F5344CB8AC3E}">
-        <p14:creationId xmlns:p14="http://schemas.microsoft.com/office/powerpoint/2010/main" val="2084706228"/>
+        <p14:creationId xmlns:p14="http://schemas.microsoft.com/office/powerpoint/2010/main" val="4163312250"/>
       </p:ext>
     </p:extLst>
   </p:cSld>
@@ -20652,10 +21315,10 @@
       </p:grpSpPr>
       <p:sp>
         <p:nvSpPr>
-          <p:cNvPr id="4" name="Text Placeholder 3">
-            <a:extLst>
-              <a:ext uri="{FF2B5EF4-FFF2-40B4-BE49-F238E27FC236}">
-                <a16:creationId xmlns:a16="http://schemas.microsoft.com/office/drawing/2014/main" id="{394420A5-0E12-4C0F-834B-C637DA46212E}"/>
+          <p:cNvPr id="5" name="Title 4">
+            <a:extLst>
+              <a:ext uri="{FF2B5EF4-FFF2-40B4-BE49-F238E27FC236}">
+                <a16:creationId xmlns:a16="http://schemas.microsoft.com/office/drawing/2014/main" id="{B9097C01-F414-47F2-94C5-A45D534A93B8}"/>
               </a:ext>
             </a:extLst>
           </p:cNvPr>
@@ -20663,7 +21326,7 @@
             <a:spLocks noGrp="1"/>
           </p:cNvSpPr>
           <p:nvPr>
-            <p:ph type="body" sz="quarter" idx="11"/>
+            <p:ph type="title"/>
           </p:nvPr>
         </p:nvSpPr>
         <p:spPr/>
@@ -20672,18 +21335,18 @@
           <a:lstStyle/>
           <a:p>
             <a:r>
-              <a:rPr lang="en-US" dirty="0"/>
-              <a:t>Variables</a:t>
-            </a:r>
-          </a:p>
-        </p:txBody>
-      </p:sp>
-      <p:sp>
-        <p:nvSpPr>
-          <p:cNvPr id="5" name="Text Placeholder 4">
-            <a:extLst>
-              <a:ext uri="{FF2B5EF4-FFF2-40B4-BE49-F238E27FC236}">
-                <a16:creationId xmlns:a16="http://schemas.microsoft.com/office/drawing/2014/main" id="{368AAC6F-F7F9-4296-A0F2-3D240B651E15}"/>
+              <a:rPr lang="en-GB" dirty="0"/>
+              <a:t>Nesting</a:t>
+            </a:r>
+          </a:p>
+        </p:txBody>
+      </p:sp>
+      <p:sp>
+        <p:nvSpPr>
+          <p:cNvPr id="8" name="Content Placeholder 7">
+            <a:extLst>
+              <a:ext uri="{FF2B5EF4-FFF2-40B4-BE49-F238E27FC236}">
+                <a16:creationId xmlns:a16="http://schemas.microsoft.com/office/drawing/2014/main" id="{35B34F88-B88C-4133-A62A-B4022A689BE0}"/>
               </a:ext>
             </a:extLst>
           </p:cNvPr>
@@ -20691,22 +21354,73 @@
             <a:spLocks noGrp="1"/>
           </p:cNvSpPr>
           <p:nvPr>
-            <p:ph type="body" sz="quarter" idx="12"/>
+            <p:ph idx="1"/>
           </p:nvPr>
         </p:nvSpPr>
-        <p:spPr/>
+        <p:spPr>
+          <a:xfrm>
+            <a:off x="838201" y="1378039"/>
+            <a:ext cx="3138996" cy="4621708"/>
+          </a:xfrm>
+        </p:spPr>
         <p:txBody>
           <a:bodyPr/>
           <a:lstStyle/>
           <a:p>
-            <a:endParaRPr lang="en-US"/>
-          </a:p>
-        </p:txBody>
-      </p:sp>
+            <a:pPr marL="285750" indent="-285750">
+              <a:buFont typeface="Arial" panose="020B0604020202020204" pitchFamily="34" charset="0"/>
+              <a:buChar char="•"/>
+            </a:pPr>
+            <a:r>
+              <a:rPr lang="en-GB" dirty="0"/>
+              <a:t>Nesting is the most useful feature in SASS.</a:t>
+            </a:r>
+          </a:p>
+          <a:p>
+            <a:pPr marL="285750" indent="-285750">
+              <a:buFont typeface="Arial" panose="020B0604020202020204" pitchFamily="34" charset="0"/>
+              <a:buChar char="•"/>
+            </a:pPr>
+            <a:r>
+              <a:rPr lang="en-GB" dirty="0"/>
+              <a:t>It allows you to easily group styles together, without having to duplicate selectors.</a:t>
+            </a:r>
+          </a:p>
+        </p:txBody>
+      </p:sp>
+      <p:pic>
+        <p:nvPicPr>
+          <p:cNvPr id="2" name="Picture 1">
+            <a:extLst>
+              <a:ext uri="{FF2B5EF4-FFF2-40B4-BE49-F238E27FC236}">
+                <a16:creationId xmlns:a16="http://schemas.microsoft.com/office/drawing/2014/main" id="{8F00C453-ED1F-4A39-8A7E-A15F1851351C}"/>
+              </a:ext>
+            </a:extLst>
+          </p:cNvPr>
+          <p:cNvPicPr>
+            <a:picLocks noChangeAspect="1"/>
+          </p:cNvPicPr>
+          <p:nvPr/>
+        </p:nvPicPr>
+        <p:blipFill rotWithShape="1">
+          <a:blip r:embed="rId2"/>
+          <a:srcRect b="10853"/>
+          <a:stretch/>
+        </p:blipFill>
+        <p:spPr>
+          <a:xfrm>
+            <a:off x="4065973" y="0"/>
+            <a:ext cx="8126027" cy="6858000"/>
+          </a:xfrm>
+          <a:prstGeom prst="rect">
+            <a:avLst/>
+          </a:prstGeom>
+        </p:spPr>
+      </p:pic>
     </p:spTree>
     <p:extLst>
       <p:ext uri="{BB962C8B-B14F-4D97-AF65-F5344CB8AC3E}">
-        <p14:creationId xmlns:p14="http://schemas.microsoft.com/office/powerpoint/2010/main" val="1927471422"/>
+        <p14:creationId xmlns:p14="http://schemas.microsoft.com/office/powerpoint/2010/main" val="2400964850"/>
       </p:ext>
     </p:extLst>
   </p:cSld>
@@ -20735,10 +21449,10 @@
       </p:grpSpPr>
       <p:sp>
         <p:nvSpPr>
-          <p:cNvPr id="6" name="Text Placeholder 5">
-            <a:extLst>
-              <a:ext uri="{FF2B5EF4-FFF2-40B4-BE49-F238E27FC236}">
-                <a16:creationId xmlns:a16="http://schemas.microsoft.com/office/drawing/2014/main" id="{03B2A513-0286-4E02-B96B-F80481953ECA}"/>
+          <p:cNvPr id="4" name="Text Placeholder 3">
+            <a:extLst>
+              <a:ext uri="{FF2B5EF4-FFF2-40B4-BE49-F238E27FC236}">
+                <a16:creationId xmlns:a16="http://schemas.microsoft.com/office/drawing/2014/main" id="{394420A5-0E12-4C0F-834B-C637DA46212E}"/>
               </a:ext>
             </a:extLst>
           </p:cNvPr>
@@ -20756,17 +21470,17 @@
           <a:p>
             <a:r>
               <a:rPr lang="en-US" dirty="0"/>
-              <a:t>Operators</a:t>
-            </a:r>
-          </a:p>
-        </p:txBody>
-      </p:sp>
-      <p:sp>
-        <p:nvSpPr>
-          <p:cNvPr id="7" name="Text Placeholder 6">
-            <a:extLst>
-              <a:ext uri="{FF2B5EF4-FFF2-40B4-BE49-F238E27FC236}">
-                <a16:creationId xmlns:a16="http://schemas.microsoft.com/office/drawing/2014/main" id="{B710344F-0496-482F-BE61-E6224E004EBE}"/>
+              <a:t>Variables</a:t>
+            </a:r>
+          </a:p>
+        </p:txBody>
+      </p:sp>
+      <p:sp>
+        <p:nvSpPr>
+          <p:cNvPr id="5" name="Text Placeholder 4">
+            <a:extLst>
+              <a:ext uri="{FF2B5EF4-FFF2-40B4-BE49-F238E27FC236}">
+                <a16:creationId xmlns:a16="http://schemas.microsoft.com/office/drawing/2014/main" id="{368AAC6F-F7F9-4296-A0F2-3D240B651E15}"/>
               </a:ext>
             </a:extLst>
           </p:cNvPr>
@@ -20782,14 +21496,14 @@
           <a:bodyPr/>
           <a:lstStyle/>
           <a:p>
-            <a:endParaRPr lang="en-US" dirty="0"/>
+            <a:endParaRPr lang="en-US"/>
           </a:p>
         </p:txBody>
       </p:sp>
     </p:spTree>
     <p:extLst>
       <p:ext uri="{BB962C8B-B14F-4D97-AF65-F5344CB8AC3E}">
-        <p14:creationId xmlns:p14="http://schemas.microsoft.com/office/powerpoint/2010/main" val="351628028"/>
+        <p14:creationId xmlns:p14="http://schemas.microsoft.com/office/powerpoint/2010/main" val="1927471422"/>
       </p:ext>
     </p:extLst>
   </p:cSld>
@@ -20818,10 +21532,10 @@
       </p:grpSpPr>
       <p:sp>
         <p:nvSpPr>
-          <p:cNvPr id="4" name="Text Placeholder 3">
-            <a:extLst>
-              <a:ext uri="{FF2B5EF4-FFF2-40B4-BE49-F238E27FC236}">
-                <a16:creationId xmlns:a16="http://schemas.microsoft.com/office/drawing/2014/main" id="{91E9247A-66F9-4926-A418-CFDD2F7B461A}"/>
+          <p:cNvPr id="5" name="Title 4">
+            <a:extLst>
+              <a:ext uri="{FF2B5EF4-FFF2-40B4-BE49-F238E27FC236}">
+                <a16:creationId xmlns:a16="http://schemas.microsoft.com/office/drawing/2014/main" id="{B9097C01-F414-47F2-94C5-A45D534A93B8}"/>
               </a:ext>
             </a:extLst>
           </p:cNvPr>
@@ -20829,7 +21543,7 @@
             <a:spLocks noGrp="1"/>
           </p:cNvSpPr>
           <p:nvPr>
-            <p:ph type="body" sz="quarter" idx="11"/>
+            <p:ph type="title"/>
           </p:nvPr>
         </p:nvSpPr>
         <p:spPr/>
@@ -20838,19 +21552,18 @@
           <a:lstStyle/>
           <a:p>
             <a:r>
-              <a:rPr lang="en-US" dirty="0" err="1"/>
-              <a:t>Mixins</a:t>
-            </a:r>
-            <a:endParaRPr lang="en-US" dirty="0"/>
-          </a:p>
-        </p:txBody>
-      </p:sp>
-      <p:sp>
-        <p:nvSpPr>
-          <p:cNvPr id="5" name="Text Placeholder 4">
-            <a:extLst>
-              <a:ext uri="{FF2B5EF4-FFF2-40B4-BE49-F238E27FC236}">
-                <a16:creationId xmlns:a16="http://schemas.microsoft.com/office/drawing/2014/main" id="{B2851CF9-27CE-4E1B-BA7F-B9CD6E60E84E}"/>
+              <a:rPr lang="en-GB" dirty="0"/>
+              <a:t>Variables</a:t>
+            </a:r>
+          </a:p>
+        </p:txBody>
+      </p:sp>
+      <p:sp>
+        <p:nvSpPr>
+          <p:cNvPr id="8" name="Content Placeholder 7">
+            <a:extLst>
+              <a:ext uri="{FF2B5EF4-FFF2-40B4-BE49-F238E27FC236}">
+                <a16:creationId xmlns:a16="http://schemas.microsoft.com/office/drawing/2014/main" id="{35B34F88-B88C-4133-A62A-B4022A689BE0}"/>
               </a:ext>
             </a:extLst>
           </p:cNvPr>
@@ -20858,22 +21571,125 @@
             <a:spLocks noGrp="1"/>
           </p:cNvSpPr>
           <p:nvPr>
-            <p:ph type="body" sz="quarter" idx="12"/>
+            <p:ph idx="1"/>
           </p:nvPr>
         </p:nvSpPr>
-        <p:spPr/>
+        <p:spPr>
+          <a:xfrm>
+            <a:off x="838201" y="1378039"/>
+            <a:ext cx="3138996" cy="4621708"/>
+          </a:xfrm>
+        </p:spPr>
         <p:txBody>
           <a:bodyPr/>
           <a:lstStyle/>
           <a:p>
-            <a:endParaRPr lang="en-US"/>
-          </a:p>
-        </p:txBody>
-      </p:sp>
+            <a:pPr marL="285750" indent="-285750">
+              <a:buFont typeface="Arial" panose="020B0604020202020204" pitchFamily="34" charset="0"/>
+              <a:buChar char="•"/>
+            </a:pPr>
+            <a:r>
+              <a:rPr lang="en-GB" dirty="0"/>
+              <a:t>Keeps your CSS DRY</a:t>
+            </a:r>
+          </a:p>
+          <a:p>
+            <a:pPr marL="285750" indent="-285750">
+              <a:buFont typeface="Arial" panose="020B0604020202020204" pitchFamily="34" charset="0"/>
+              <a:buChar char="•"/>
+            </a:pPr>
+            <a:r>
+              <a:rPr lang="en-GB" dirty="0"/>
+              <a:t>Ensures consistency throughout the project</a:t>
+            </a:r>
+          </a:p>
+          <a:p>
+            <a:pPr marL="285750" indent="-285750">
+              <a:buFont typeface="Arial" panose="020B0604020202020204" pitchFamily="34" charset="0"/>
+              <a:buChar char="•"/>
+            </a:pPr>
+            <a:r>
+              <a:rPr lang="en-GB" dirty="0"/>
+              <a:t>Saves time when writing styles that are a PITA (text/box shadows)</a:t>
+            </a:r>
+          </a:p>
+          <a:p>
+            <a:pPr marL="285750" indent="-285750">
+              <a:buFont typeface="Arial" panose="020B0604020202020204" pitchFamily="34" charset="0"/>
+              <a:buChar char="•"/>
+            </a:pPr>
+            <a:r>
+              <a:rPr lang="en-GB" dirty="0"/>
+              <a:t>More manageable when changing common styles such as:</a:t>
+            </a:r>
+          </a:p>
+          <a:p>
+            <a:pPr marL="971550" lvl="1" indent="-285750"/>
+            <a:r>
+              <a:rPr lang="en-GB" dirty="0"/>
+              <a:t>font-family</a:t>
+            </a:r>
+          </a:p>
+          <a:p>
+            <a:pPr marL="971550" lvl="1" indent="-285750"/>
+            <a:r>
+              <a:rPr lang="en-GB" dirty="0"/>
+              <a:t>box-shadow</a:t>
+            </a:r>
+          </a:p>
+          <a:p>
+            <a:pPr marL="971550" lvl="1" indent="-285750"/>
+            <a:r>
+              <a:rPr lang="en-GB" dirty="0"/>
+              <a:t>Media query breakpoints</a:t>
+            </a:r>
+          </a:p>
+          <a:p>
+            <a:pPr marL="971550" lvl="1" indent="-285750"/>
+            <a:r>
+              <a:rPr lang="en-GB" dirty="0"/>
+              <a:t>Brand colours</a:t>
+            </a:r>
+          </a:p>
+          <a:p>
+            <a:pPr marL="971550" lvl="1" indent="-285750"/>
+            <a:endParaRPr lang="en-GB" dirty="0"/>
+          </a:p>
+        </p:txBody>
+      </p:sp>
+      <p:pic>
+        <p:nvPicPr>
+          <p:cNvPr id="3" name="Picture 2">
+            <a:extLst>
+              <a:ext uri="{FF2B5EF4-FFF2-40B4-BE49-F238E27FC236}">
+                <a16:creationId xmlns:a16="http://schemas.microsoft.com/office/drawing/2014/main" id="{474336E9-DD5B-4F86-8FFB-174D69C9AA38}"/>
+              </a:ext>
+            </a:extLst>
+          </p:cNvPr>
+          <p:cNvPicPr>
+            <a:picLocks noChangeAspect="1"/>
+          </p:cNvPicPr>
+          <p:nvPr/>
+        </p:nvPicPr>
+        <p:blipFill rotWithShape="1">
+          <a:blip r:embed="rId2"/>
+          <a:srcRect b="6007"/>
+          <a:stretch/>
+        </p:blipFill>
+        <p:spPr>
+          <a:xfrm>
+            <a:off x="4046291" y="0"/>
+            <a:ext cx="8145709" cy="6858000"/>
+          </a:xfrm>
+          <a:prstGeom prst="rect">
+            <a:avLst/>
+          </a:prstGeom>
+        </p:spPr>
+      </p:pic>
     </p:spTree>
     <p:extLst>
       <p:ext uri="{BB962C8B-B14F-4D97-AF65-F5344CB8AC3E}">
-        <p14:creationId xmlns:p14="http://schemas.microsoft.com/office/powerpoint/2010/main" val="2009415653"/>
+        <p14:creationId xmlns:p14="http://schemas.microsoft.com/office/powerpoint/2010/main" val="1377170693"/>
       </p:ext>
     </p:extLst>
   </p:cSld>
@@ -20902,10 +21718,10 @@
       </p:grpSpPr>
       <p:sp>
         <p:nvSpPr>
-          <p:cNvPr id="4" name="Text Placeholder 3">
-            <a:extLst>
-              <a:ext uri="{FF2B5EF4-FFF2-40B4-BE49-F238E27FC236}">
-                <a16:creationId xmlns:a16="http://schemas.microsoft.com/office/drawing/2014/main" id="{394420A5-0E12-4C0F-834B-C637DA46212E}"/>
+          <p:cNvPr id="6" name="Text Placeholder 5">
+            <a:extLst>
+              <a:ext uri="{FF2B5EF4-FFF2-40B4-BE49-F238E27FC236}">
+                <a16:creationId xmlns:a16="http://schemas.microsoft.com/office/drawing/2014/main" id="{03B2A513-0286-4E02-B96B-F80481953ECA}"/>
               </a:ext>
             </a:extLst>
           </p:cNvPr>
@@ -20922,18 +21738,19 @@
           <a:lstStyle/>
           <a:p>
             <a:r>
-              <a:rPr lang="en-US" dirty="0"/>
-              <a:t>Conditionals &amp; Loops</a:t>
-            </a:r>
-          </a:p>
-        </p:txBody>
-      </p:sp>
-      <p:sp>
-        <p:nvSpPr>
-          <p:cNvPr id="5" name="Text Placeholder 4">
-            <a:extLst>
-              <a:ext uri="{FF2B5EF4-FFF2-40B4-BE49-F238E27FC236}">
-                <a16:creationId xmlns:a16="http://schemas.microsoft.com/office/drawing/2014/main" id="{368AAC6F-F7F9-4296-A0F2-3D240B651E15}"/>
+              <a:rPr lang="en-GB" dirty="0"/>
+              <a:t>Extensions</a:t>
+            </a:r>
+            <a:endParaRPr lang="en-US" dirty="0"/>
+          </a:p>
+        </p:txBody>
+      </p:sp>
+      <p:sp>
+        <p:nvSpPr>
+          <p:cNvPr id="7" name="Text Placeholder 6">
+            <a:extLst>
+              <a:ext uri="{FF2B5EF4-FFF2-40B4-BE49-F238E27FC236}">
+                <a16:creationId xmlns:a16="http://schemas.microsoft.com/office/drawing/2014/main" id="{B710344F-0496-482F-BE61-E6224E004EBE}"/>
               </a:ext>
             </a:extLst>
           </p:cNvPr>
@@ -20949,14 +21766,14 @@
           <a:bodyPr/>
           <a:lstStyle/>
           <a:p>
-            <a:endParaRPr lang="en-US"/>
+            <a:endParaRPr lang="en-US" dirty="0"/>
           </a:p>
         </p:txBody>
       </p:sp>
     </p:spTree>
     <p:extLst>
       <p:ext uri="{BB962C8B-B14F-4D97-AF65-F5344CB8AC3E}">
-        <p14:creationId xmlns:p14="http://schemas.microsoft.com/office/powerpoint/2010/main" val="91583965"/>
+        <p14:creationId xmlns:p14="http://schemas.microsoft.com/office/powerpoint/2010/main" val="3394439589"/>
       </p:ext>
     </p:extLst>
   </p:cSld>
